--- a/Presentations/CompositionalSafetyTesting.pptx
+++ b/Presentations/CompositionalSafetyTesting.pptx
@@ -5,10 +5,10 @@
     <p:sldMasterId id="2147483672" r:id="rId1"/>
   </p:sldMasterIdLst>
   <p:notesMasterIdLst>
-    <p:notesMasterId r:id="rId23"/>
+    <p:notesMasterId r:id="rId28"/>
   </p:notesMasterIdLst>
   <p:handoutMasterIdLst>
-    <p:handoutMasterId r:id="rId24"/>
+    <p:handoutMasterId r:id="rId29"/>
   </p:handoutMasterIdLst>
   <p:sldIdLst>
     <p:sldId id="256" r:id="rId2"/>
@@ -29,9 +29,14 @@
     <p:sldId id="272" r:id="rId17"/>
     <p:sldId id="273" r:id="rId18"/>
     <p:sldId id="274" r:id="rId19"/>
-    <p:sldId id="275" r:id="rId20"/>
-    <p:sldId id="276" r:id="rId21"/>
-    <p:sldId id="277" r:id="rId22"/>
+    <p:sldId id="278" r:id="rId20"/>
+    <p:sldId id="275" r:id="rId21"/>
+    <p:sldId id="279" r:id="rId22"/>
+    <p:sldId id="280" r:id="rId23"/>
+    <p:sldId id="276" r:id="rId24"/>
+    <p:sldId id="281" r:id="rId25"/>
+    <p:sldId id="277" r:id="rId26"/>
+    <p:sldId id="282" r:id="rId27"/>
   </p:sldIdLst>
   <p:sldSz cx="9144000" cy="6858000" type="screen4x3"/>
   <p:notesSz cx="6858000" cy="9144000"/>
@@ -235,7 +240,7 @@
           <a:p>
             <a:fld id="{FC61A6FD-3ACD-4666-B601-2198EA538879}" type="datetimeFigureOut">
               <a:rPr lang="en-US" smtClean="0"/>
-              <a:t>6/17/2019</a:t>
+              <a:t>6/18/2019</a:t>
             </a:fld>
             <a:endParaRPr lang="en-US"/>
           </a:p>
@@ -413,7 +418,7 @@
           <a:p>
             <a:fld id="{37DF9D4D-9EA6-4037-AB5B-4AEE090FBDF0}" type="datetimeFigureOut">
               <a:rPr lang="en-US" smtClean="0"/>
-              <a:t>6/17/2019</a:t>
+              <a:t>6/18/2019</a:t>
             </a:fld>
             <a:endParaRPr lang="en-US"/>
           </a:p>
@@ -1799,7 +1804,7 @@
           <a:p>
             <a:fld id="{5D386647-7AE0-4CBA-AC4E-932692EE63ED}" type="slidenum">
               <a:rPr lang="en-US" smtClean="0"/>
-              <a:t>19</a:t>
+              <a:t>20</a:t>
             </a:fld>
             <a:endParaRPr lang="en-US"/>
           </a:p>
@@ -1809,6 +1814,178 @@
     <p:extLst>
       <p:ext uri="{BB962C8B-B14F-4D97-AF65-F5344CB8AC3E}">
         <p14:creationId xmlns:p14="http://schemas.microsoft.com/office/powerpoint/2010/main" val="3401258952"/>
+      </p:ext>
+    </p:extLst>
+  </p:cSld>
+  <p:clrMapOvr>
+    <a:masterClrMapping/>
+  </p:clrMapOvr>
+</p:notes>
+</file>
+
+<file path=ppt/notesSlides/notesSlide17.xml><?xml version="1.0" encoding="utf-8"?>
+<p:notes xmlns:a="http://schemas.openxmlformats.org/drawingml/2006/main" xmlns:r="http://schemas.openxmlformats.org/officeDocument/2006/relationships" xmlns:p="http://schemas.openxmlformats.org/presentationml/2006/main">
+  <p:cSld>
+    <p:spTree>
+      <p:nvGrpSpPr>
+        <p:cNvPr id="1" name=""/>
+        <p:cNvGrpSpPr/>
+        <p:nvPr/>
+      </p:nvGrpSpPr>
+      <p:grpSpPr>
+        <a:xfrm>
+          <a:off x="0" y="0"/>
+          <a:ext cx="0" cy="0"/>
+          <a:chOff x="0" y="0"/>
+          <a:chExt cx="0" cy="0"/>
+        </a:xfrm>
+      </p:grpSpPr>
+      <p:sp>
+        <p:nvSpPr>
+          <p:cNvPr id="2" name="Slide Image Placeholder 1"/>
+          <p:cNvSpPr>
+            <a:spLocks noGrp="1" noRot="1" noChangeAspect="1"/>
+          </p:cNvSpPr>
+          <p:nvPr>
+            <p:ph type="sldImg"/>
+          </p:nvPr>
+        </p:nvSpPr>
+        <p:spPr/>
+      </p:sp>
+      <p:sp>
+        <p:nvSpPr>
+          <p:cNvPr id="3" name="Notes Placeholder 2"/>
+          <p:cNvSpPr>
+            <a:spLocks noGrp="1"/>
+          </p:cNvSpPr>
+          <p:nvPr>
+            <p:ph type="body" idx="1"/>
+          </p:nvPr>
+        </p:nvSpPr>
+        <p:spPr/>
+        <p:txBody>
+          <a:bodyPr/>
+          <a:lstStyle/>
+          <a:p>
+            <a:r>
+              <a:rPr lang="en-US" dirty="0" smtClean="0"/>
+              <a:t>Read about capabilities annotation on channels</a:t>
+            </a:r>
+            <a:endParaRPr lang="en-US" dirty="0"/>
+          </a:p>
+        </p:txBody>
+      </p:sp>
+      <p:sp>
+        <p:nvSpPr>
+          <p:cNvPr id="4" name="Slide Number Placeholder 3"/>
+          <p:cNvSpPr>
+            <a:spLocks noGrp="1"/>
+          </p:cNvSpPr>
+          <p:nvPr>
+            <p:ph type="sldNum" sz="quarter" idx="10"/>
+          </p:nvPr>
+        </p:nvSpPr>
+        <p:spPr/>
+        <p:txBody>
+          <a:bodyPr/>
+          <a:lstStyle/>
+          <a:p>
+            <a:fld id="{5D386647-7AE0-4CBA-AC4E-932692EE63ED}" type="slidenum">
+              <a:rPr lang="en-US" smtClean="0"/>
+              <a:t>21</a:t>
+            </a:fld>
+            <a:endParaRPr lang="en-US"/>
+          </a:p>
+        </p:txBody>
+      </p:sp>
+    </p:spTree>
+    <p:extLst>
+      <p:ext uri="{BB962C8B-B14F-4D97-AF65-F5344CB8AC3E}">
+        <p14:creationId xmlns:p14="http://schemas.microsoft.com/office/powerpoint/2010/main" val="736445059"/>
+      </p:ext>
+    </p:extLst>
+  </p:cSld>
+  <p:clrMapOvr>
+    <a:masterClrMapping/>
+  </p:clrMapOvr>
+</p:notes>
+</file>
+
+<file path=ppt/notesSlides/notesSlide18.xml><?xml version="1.0" encoding="utf-8"?>
+<p:notes xmlns:a="http://schemas.openxmlformats.org/drawingml/2006/main" xmlns:r="http://schemas.openxmlformats.org/officeDocument/2006/relationships" xmlns:p="http://schemas.openxmlformats.org/presentationml/2006/main">
+  <p:cSld>
+    <p:spTree>
+      <p:nvGrpSpPr>
+        <p:cNvPr id="1" name=""/>
+        <p:cNvGrpSpPr/>
+        <p:nvPr/>
+      </p:nvGrpSpPr>
+      <p:grpSpPr>
+        <a:xfrm>
+          <a:off x="0" y="0"/>
+          <a:ext cx="0" cy="0"/>
+          <a:chOff x="0" y="0"/>
+          <a:chExt cx="0" cy="0"/>
+        </a:xfrm>
+      </p:grpSpPr>
+      <p:sp>
+        <p:nvSpPr>
+          <p:cNvPr id="2" name="Slide Image Placeholder 1"/>
+          <p:cNvSpPr>
+            <a:spLocks noGrp="1" noRot="1" noChangeAspect="1"/>
+          </p:cNvSpPr>
+          <p:nvPr>
+            <p:ph type="sldImg"/>
+          </p:nvPr>
+        </p:nvSpPr>
+        <p:spPr/>
+      </p:sp>
+      <p:sp>
+        <p:nvSpPr>
+          <p:cNvPr id="3" name="Notes Placeholder 2"/>
+          <p:cNvSpPr>
+            <a:spLocks noGrp="1"/>
+          </p:cNvSpPr>
+          <p:nvPr>
+            <p:ph type="body" idx="1"/>
+          </p:nvPr>
+        </p:nvSpPr>
+        <p:spPr/>
+        <p:txBody>
+          <a:bodyPr/>
+          <a:lstStyle/>
+          <a:p>
+            <a:endParaRPr lang="en-US" dirty="0"/>
+          </a:p>
+        </p:txBody>
+      </p:sp>
+      <p:sp>
+        <p:nvSpPr>
+          <p:cNvPr id="4" name="Slide Number Placeholder 3"/>
+          <p:cNvSpPr>
+            <a:spLocks noGrp="1"/>
+          </p:cNvSpPr>
+          <p:nvPr>
+            <p:ph type="sldNum" sz="quarter" idx="10"/>
+          </p:nvPr>
+        </p:nvSpPr>
+        <p:spPr/>
+        <p:txBody>
+          <a:bodyPr/>
+          <a:lstStyle/>
+          <a:p>
+            <a:fld id="{5D386647-7AE0-4CBA-AC4E-932692EE63ED}" type="slidenum">
+              <a:rPr lang="en-US" smtClean="0"/>
+              <a:t>22</a:t>
+            </a:fld>
+            <a:endParaRPr lang="en-US"/>
+          </a:p>
+        </p:txBody>
+      </p:sp>
+    </p:spTree>
+    <p:extLst>
+      <p:ext uri="{BB962C8B-B14F-4D97-AF65-F5344CB8AC3E}">
+        <p14:creationId xmlns:p14="http://schemas.microsoft.com/office/powerpoint/2010/main" val="1258998436"/>
       </p:ext>
     </p:extLst>
   </p:cSld>
@@ -3548,7 +3725,7 @@
           <a:p>
             <a:r>
               <a:rPr lang="en-US" smtClean="0"/>
-              <a:t>Compositional Safety Testing</a:t>
+              <a:t>SafeAsync: Compositional Safety Testing</a:t>
             </a:r>
             <a:endParaRPr lang="en-US" dirty="0"/>
           </a:p>
@@ -3865,7 +4042,7 @@
           <a:p>
             <a:r>
               <a:rPr lang="en-US" smtClean="0"/>
-              <a:t>Compositional Safety Testing</a:t>
+              <a:t>SafeAsync: Compositional Safety Testing</a:t>
             </a:r>
             <a:endParaRPr lang="en-US" dirty="0"/>
           </a:p>
@@ -4140,7 +4317,7 @@
           <a:p>
             <a:r>
               <a:rPr lang="en-US" smtClean="0"/>
-              <a:t>Compositional Safety Testing</a:t>
+              <a:t>SafeAsync: Compositional Safety Testing</a:t>
             </a:r>
             <a:endParaRPr lang="en-US" dirty="0"/>
           </a:p>
@@ -4503,7 +4680,7 @@
           <a:p>
             <a:r>
               <a:rPr lang="en-US" smtClean="0"/>
-              <a:t>Compositional Safety Testing</a:t>
+              <a:t>SafeAsync: Compositional Safety Testing</a:t>
             </a:r>
             <a:endParaRPr lang="en-US"/>
           </a:p>
@@ -4876,7 +5053,7 @@
           <a:p>
             <a:r>
               <a:rPr lang="en-US" smtClean="0"/>
-              <a:t>Compositional Safety Testing</a:t>
+              <a:t>SafeAsync: Compositional Safety Testing</a:t>
             </a:r>
             <a:endParaRPr lang="en-US"/>
           </a:p>
@@ -5050,7 +5227,7 @@
           <a:p>
             <a:r>
               <a:rPr lang="en-US" smtClean="0"/>
-              <a:t>Compositional Safety Testing</a:t>
+              <a:t>SafeAsync: Compositional Safety Testing</a:t>
             </a:r>
             <a:endParaRPr lang="en-US"/>
           </a:p>
@@ -5310,7 +5487,7 @@
           <a:p>
             <a:r>
               <a:rPr lang="en-US" smtClean="0"/>
-              <a:t>Compositional Safety Testing</a:t>
+              <a:t>SafeAsync: Compositional Safety Testing</a:t>
             </a:r>
             <a:endParaRPr lang="en-US"/>
           </a:p>
@@ -5606,7 +5783,7 @@
           <a:p>
             <a:r>
               <a:rPr lang="en-US" smtClean="0"/>
-              <a:t>Compositional Safety Testing</a:t>
+              <a:t>SafeAsync: Compositional Safety Testing</a:t>
             </a:r>
             <a:endParaRPr lang="en-US" dirty="0"/>
           </a:p>
@@ -6319,7 +6496,7 @@
                 <a:ea typeface="+mn-ea"/>
                 <a:cs typeface="+mn-cs"/>
               </a:rPr>
-              <a:t>Compositional Safety Testing</a:t>
+              <a:t>SafeAsync: Compositional Safety Testing</a:t>
             </a:r>
             <a:endParaRPr kumimoji="0" lang="en-US" sz="900" b="0" i="0" u="none" strike="noStrike" kern="1200" cap="all" spc="0" normalizeH="0" baseline="0" noProof="0" dirty="0">
               <a:ln>
@@ -11792,7 +11969,7 @@
                 <a:ea typeface="+mn-ea"/>
                 <a:cs typeface="+mn-cs"/>
               </a:rPr>
-              <a:t>Compositional Safety Testing</a:t>
+              <a:t>SafeAsync: Compositional Safety Testing</a:t>
             </a:r>
             <a:endParaRPr kumimoji="0" lang="en-US" sz="900" b="0" i="0" u="none" strike="noStrike" kern="1200" cap="all" spc="0" normalizeH="0" baseline="0" noProof="0" dirty="0">
               <a:ln>
@@ -12864,7 +13041,7 @@
                 <a:ea typeface="+mn-ea"/>
                 <a:cs typeface="+mn-cs"/>
               </a:rPr>
-              <a:t>Compositional Safety Testing</a:t>
+              <a:t>SafeAsync: Compositional Safety Testing</a:t>
             </a:r>
             <a:endParaRPr kumimoji="0" lang="en-US" sz="900" b="0" i="0" u="none" strike="noStrike" kern="1200" cap="all" spc="0" normalizeH="0" baseline="0" noProof="0" dirty="0">
               <a:ln>
@@ -14672,7 +14849,7 @@
                 <a:ea typeface="+mn-ea"/>
                 <a:cs typeface="+mn-cs"/>
               </a:rPr>
-              <a:t>Compositional Safety Testing</a:t>
+              <a:t>SafeAsync: Compositional Safety Testing</a:t>
             </a:r>
             <a:endParaRPr kumimoji="0" lang="en-US" sz="900" b="0" i="0" u="none" strike="noStrike" kern="1200" cap="all" spc="0" normalizeH="0" baseline="0" noProof="0" dirty="0">
               <a:ln>
@@ -16212,7 +16389,7 @@
                 <a:ea typeface="+mn-ea"/>
                 <a:cs typeface="+mn-cs"/>
               </a:rPr>
-              <a:t>Compositional Safety Testing</a:t>
+              <a:t>SafeAsync: Compositional Safety Testing</a:t>
             </a:r>
             <a:endParaRPr kumimoji="0" lang="en-US" sz="900" b="0" i="0" u="none" strike="noStrike" kern="1200" cap="all" spc="0" normalizeH="0" baseline="0" noProof="0" dirty="0">
               <a:ln>
@@ -17304,7 +17481,7 @@
                 <a:ea typeface="+mn-ea"/>
                 <a:cs typeface="+mn-cs"/>
               </a:rPr>
-              <a:t>Compositional Safety Testing</a:t>
+              <a:t>SafeAsync: Compositional Safety Testing</a:t>
             </a:r>
             <a:endParaRPr kumimoji="0" lang="en-US" sz="900" b="0" i="0" u="none" strike="noStrike" kern="1200" cap="all" spc="0" normalizeH="0" baseline="0" noProof="0" dirty="0">
               <a:ln>
@@ -19589,7 +19766,7 @@
                 <a:ea typeface="+mn-ea"/>
                 <a:cs typeface="+mn-cs"/>
               </a:rPr>
-              <a:t>Compositional Safety Testing</a:t>
+              <a:t>SafeAsync: Compositional Safety Testing</a:t>
             </a:r>
             <a:endParaRPr kumimoji="0" lang="en-US" sz="900" b="0" i="0" u="none" strike="noStrike" kern="1200" cap="all" spc="0" normalizeH="0" baseline="0" noProof="0" dirty="0">
               <a:ln>
@@ -20333,7 +20510,7 @@
                 <a:ea typeface="+mn-ea"/>
                 <a:cs typeface="+mn-cs"/>
               </a:rPr>
-              <a:t>Compositional Safety Testing</a:t>
+              <a:t>SafeAsync: Compositional Safety Testing</a:t>
             </a:r>
             <a:endParaRPr kumimoji="0" lang="en-US" sz="900" b="0" i="0" u="none" strike="noStrike" kern="1200" cap="all" spc="0" normalizeH="0" baseline="0" noProof="0" dirty="0">
               <a:ln>
@@ -21550,7 +21727,7 @@
                 <a:ea typeface="+mn-ea"/>
                 <a:cs typeface="+mn-cs"/>
               </a:rPr>
-              <a:t>Compositional Safety Testing</a:t>
+              <a:t>SafeAsync: Compositional Safety Testing</a:t>
             </a:r>
             <a:endParaRPr kumimoji="0" lang="en-US" sz="900" b="0" i="0" u="none" strike="noStrike" kern="1200" cap="all" spc="0" normalizeH="0" baseline="0" noProof="0" dirty="0">
               <a:ln>
@@ -21811,6 +21988,608 @@
 </file>
 
 <file path=ppt/slides/slide19.xml><?xml version="1.0" encoding="utf-8"?>
+<p:sld xmlns:a="http://schemas.openxmlformats.org/drawingml/2006/main" xmlns:r="http://schemas.openxmlformats.org/officeDocument/2006/relationships" xmlns:p="http://schemas.openxmlformats.org/presentationml/2006/main">
+  <p:cSld>
+    <p:spTree>
+      <p:nvGrpSpPr>
+        <p:cNvPr id="1" name=""/>
+        <p:cNvGrpSpPr/>
+        <p:nvPr/>
+      </p:nvGrpSpPr>
+      <p:grpSpPr>
+        <a:xfrm>
+          <a:off x="0" y="0"/>
+          <a:ext cx="0" cy="0"/>
+          <a:chOff x="0" y="0"/>
+          <a:chExt cx="0" cy="0"/>
+        </a:xfrm>
+      </p:grpSpPr>
+      <p:sp>
+        <p:nvSpPr>
+          <p:cNvPr id="2" name="Title 1"/>
+          <p:cNvSpPr>
+            <a:spLocks noGrp="1"/>
+          </p:cNvSpPr>
+          <p:nvPr>
+            <p:ph type="title"/>
+          </p:nvPr>
+        </p:nvSpPr>
+        <p:spPr/>
+        <p:txBody>
+          <a:bodyPr/>
+          <a:lstStyle/>
+          <a:p>
+            <a:r>
+              <a:rPr lang="en-US" dirty="0" smtClean="0"/>
+              <a:t>Module Composition</a:t>
+            </a:r>
+            <a:endParaRPr lang="en-US" dirty="0"/>
+          </a:p>
+        </p:txBody>
+      </p:sp>
+      <p:sp>
+        <p:nvSpPr>
+          <p:cNvPr id="5" name="Footer Placeholder 4"/>
+          <p:cNvSpPr>
+            <a:spLocks noGrp="1"/>
+          </p:cNvSpPr>
+          <p:nvPr>
+            <p:ph type="ftr" sz="quarter" idx="11"/>
+          </p:nvPr>
+        </p:nvSpPr>
+        <p:spPr/>
+        <p:txBody>
+          <a:bodyPr/>
+          <a:lstStyle/>
+          <a:p>
+            <a:r>
+              <a:rPr lang="en-US" smtClean="0"/>
+              <a:t>SafeAsync: Compositional Safety Testing</a:t>
+            </a:r>
+            <a:endParaRPr lang="en-US" dirty="0"/>
+          </a:p>
+        </p:txBody>
+      </p:sp>
+      <p:sp>
+        <p:nvSpPr>
+          <p:cNvPr id="6" name="Slide Number Placeholder 5"/>
+          <p:cNvSpPr>
+            <a:spLocks noGrp="1"/>
+          </p:cNvSpPr>
+          <p:nvPr>
+            <p:ph type="sldNum" sz="quarter" idx="12"/>
+          </p:nvPr>
+        </p:nvSpPr>
+        <p:spPr/>
+        <p:txBody>
+          <a:bodyPr/>
+          <a:lstStyle/>
+          <a:p>
+            <a:fld id="{77CC721F-1D71-470D-9ADD-E53F1C9EB23A}" type="slidenum">
+              <a:rPr lang="en-US" smtClean="0"/>
+              <a:pPr/>
+              <a:t>19</a:t>
+            </a:fld>
+            <a:endParaRPr lang="en-US" dirty="0"/>
+          </a:p>
+        </p:txBody>
+      </p:sp>
+      <p:sp>
+        <p:nvSpPr>
+          <p:cNvPr id="8" name="Content Placeholder 7"/>
+          <p:cNvSpPr>
+            <a:spLocks noGrp="1"/>
+          </p:cNvSpPr>
+          <p:nvPr>
+            <p:ph idx="1"/>
+          </p:nvPr>
+        </p:nvSpPr>
+        <p:spPr/>
+        <p:txBody>
+          <a:bodyPr>
+            <a:normAutofit/>
+          </a:bodyPr>
+          <a:lstStyle/>
+          <a:p>
+            <a:endParaRPr lang="en-US" dirty="0"/>
+          </a:p>
+          <a:p>
+            <a:r>
+              <a:rPr lang="en-US" dirty="0" smtClean="0"/>
+              <a:t>Module Composition requires output </a:t>
+            </a:r>
+            <a:r>
+              <a:rPr lang="en-US" dirty="0" err="1" smtClean="0"/>
+              <a:t>disjointness</a:t>
+            </a:r>
+            <a:r>
+              <a:rPr lang="en-US" dirty="0" smtClean="0"/>
+              <a:t> </a:t>
+            </a:r>
+            <a:r>
+              <a:rPr lang="en-US" dirty="0" smtClean="0">
+                <a:solidFill>
+                  <a:srgbClr val="00B050"/>
+                </a:solidFill>
+              </a:rPr>
+              <a:t>[Reactive Module, IOA]</a:t>
+            </a:r>
+            <a:r>
+              <a:rPr lang="en-US" dirty="0" smtClean="0"/>
+              <a:t>:</a:t>
+            </a:r>
+          </a:p>
+          <a:p>
+            <a:pPr marL="342900" indent="-342900">
+              <a:buFont typeface="Arial" panose="020B0604020202020204" pitchFamily="34" charset="0"/>
+              <a:buChar char="•"/>
+            </a:pPr>
+            <a:r>
+              <a:rPr lang="en-US" dirty="0" smtClean="0"/>
+              <a:t>Created </a:t>
+            </a:r>
+            <a:r>
+              <a:rPr lang="en-US" dirty="0"/>
+              <a:t>interfaces are disjoint</a:t>
+            </a:r>
+          </a:p>
+          <a:p>
+            <a:pPr marL="342900" indent="-342900">
+              <a:buFont typeface="Arial" panose="020B0604020202020204" pitchFamily="34" charset="0"/>
+              <a:buChar char="•"/>
+            </a:pPr>
+            <a:r>
+              <a:rPr lang="en-US" dirty="0"/>
+              <a:t>Sent events are disjoint</a:t>
+            </a:r>
+          </a:p>
+          <a:p>
+            <a:endParaRPr lang="en-US" dirty="0"/>
+          </a:p>
+        </p:txBody>
+      </p:sp>
+      <p:sp>
+        <p:nvSpPr>
+          <p:cNvPr id="3" name="Date Placeholder 2"/>
+          <p:cNvSpPr>
+            <a:spLocks noGrp="1"/>
+          </p:cNvSpPr>
+          <p:nvPr>
+            <p:ph type="dt" sz="half" idx="10"/>
+          </p:nvPr>
+        </p:nvSpPr>
+        <p:spPr/>
+        <p:txBody>
+          <a:bodyPr/>
+          <a:lstStyle/>
+          <a:p>
+            <a:r>
+              <a:rPr lang="en-US" smtClean="0"/>
+              <a:t>PLDI 2019</a:t>
+            </a:r>
+            <a:endParaRPr lang="en-US" dirty="0"/>
+          </a:p>
+        </p:txBody>
+      </p:sp>
+    </p:spTree>
+    <p:extLst>
+      <p:ext uri="{BB962C8B-B14F-4D97-AF65-F5344CB8AC3E}">
+        <p14:creationId xmlns:p14="http://schemas.microsoft.com/office/powerpoint/2010/main" val="607590752"/>
+      </p:ext>
+    </p:extLst>
+  </p:cSld>
+  <p:clrMapOvr>
+    <a:masterClrMapping/>
+  </p:clrMapOvr>
+  <p:timing>
+    <p:tnLst>
+      <p:par>
+        <p:cTn id="1" dur="indefinite" restart="never" nodeType="tmRoot"/>
+      </p:par>
+    </p:tnLst>
+  </p:timing>
+</p:sld>
+</file>
+
+<file path=ppt/slides/slide2.xml><?xml version="1.0" encoding="utf-8"?>
+<p:sld xmlns:a="http://schemas.openxmlformats.org/drawingml/2006/main" xmlns:r="http://schemas.openxmlformats.org/officeDocument/2006/relationships" xmlns:p="http://schemas.openxmlformats.org/presentationml/2006/main">
+  <p:cSld>
+    <p:spTree>
+      <p:nvGrpSpPr>
+        <p:cNvPr id="1" name=""/>
+        <p:cNvGrpSpPr/>
+        <p:nvPr/>
+      </p:nvGrpSpPr>
+      <p:grpSpPr>
+        <a:xfrm>
+          <a:off x="0" y="0"/>
+          <a:ext cx="0" cy="0"/>
+          <a:chOff x="0" y="0"/>
+          <a:chExt cx="0" cy="0"/>
+        </a:xfrm>
+      </p:grpSpPr>
+      <p:sp>
+        <p:nvSpPr>
+          <p:cNvPr id="2" name="Title 1"/>
+          <p:cNvSpPr>
+            <a:spLocks noGrp="1"/>
+          </p:cNvSpPr>
+          <p:nvPr>
+            <p:ph type="title"/>
+          </p:nvPr>
+        </p:nvSpPr>
+        <p:spPr>
+          <a:xfrm>
+            <a:off x="475440" y="237837"/>
+            <a:ext cx="8238837" cy="802457"/>
+          </a:xfrm>
+        </p:spPr>
+        <p:txBody>
+          <a:bodyPr>
+            <a:noAutofit/>
+          </a:bodyPr>
+          <a:lstStyle/>
+          <a:p>
+            <a:r>
+              <a:rPr lang="en-US" sz="4000" dirty="0" smtClean="0"/>
+              <a:t>Characteristics </a:t>
+            </a:r>
+            <a:r>
+              <a:rPr lang="en-US" sz="4000" dirty="0"/>
+              <a:t>of </a:t>
+            </a:r>
+            <a:r>
+              <a:rPr lang="en-US" sz="4000" dirty="0" smtClean="0"/>
+              <a:t>Distributed </a:t>
+            </a:r>
+            <a:r>
+              <a:rPr lang="en-US" sz="4000" dirty="0"/>
+              <a:t>Systems</a:t>
+            </a:r>
+          </a:p>
+        </p:txBody>
+      </p:sp>
+      <p:sp>
+        <p:nvSpPr>
+          <p:cNvPr id="3" name="Content Placeholder 2"/>
+          <p:cNvSpPr>
+            <a:spLocks noGrp="1"/>
+          </p:cNvSpPr>
+          <p:nvPr>
+            <p:ph idx="1"/>
+          </p:nvPr>
+        </p:nvSpPr>
+        <p:spPr/>
+        <p:txBody>
+          <a:bodyPr>
+            <a:normAutofit/>
+          </a:bodyPr>
+          <a:lstStyle/>
+          <a:p>
+            <a:pPr marL="342900" indent="-342900">
+              <a:buFont typeface="Arial" panose="020B0604020202020204" pitchFamily="34" charset="0"/>
+              <a:buChar char="•"/>
+            </a:pPr>
+            <a:endParaRPr lang="en-US" sz="2800" dirty="0"/>
+          </a:p>
+          <a:p>
+            <a:pPr marL="342900" indent="-342900">
+              <a:buFont typeface="Arial" panose="020B0604020202020204" pitchFamily="34" charset="0"/>
+              <a:buChar char="•"/>
+            </a:pPr>
+            <a:r>
+              <a:rPr lang="en-US" sz="2800" dirty="0" smtClean="0"/>
+              <a:t>Actor model of computation.</a:t>
+            </a:r>
+            <a:endParaRPr lang="en-US" sz="2800" dirty="0"/>
+          </a:p>
+          <a:p>
+            <a:pPr marL="829818" lvl="1" indent="-342900"/>
+            <a:r>
+              <a:rPr lang="en-US" sz="2400" dirty="0"/>
+              <a:t>Collection of concurrently executing processes</a:t>
+            </a:r>
+            <a:r>
+              <a:rPr lang="en-US" sz="2400" dirty="0" smtClean="0"/>
+              <a:t>.</a:t>
+            </a:r>
+          </a:p>
+          <a:p>
+            <a:pPr marL="829818" lvl="1" indent="-342900"/>
+            <a:r>
+              <a:rPr lang="en-US" sz="2400" dirty="0" smtClean="0"/>
+              <a:t>Processes </a:t>
+            </a:r>
+            <a:r>
+              <a:rPr lang="en-US" sz="2400" dirty="0"/>
+              <a:t>communicate by asynchronously sending messages or events to each </a:t>
+            </a:r>
+            <a:r>
+              <a:rPr lang="en-US" sz="2400" dirty="0" smtClean="0"/>
+              <a:t>other.</a:t>
+            </a:r>
+          </a:p>
+          <a:p>
+            <a:pPr marL="829818" lvl="1" indent="-342900"/>
+            <a:r>
+              <a:rPr lang="en-US" sz="2400" dirty="0"/>
+              <a:t>Processes can be created </a:t>
+            </a:r>
+            <a:r>
+              <a:rPr lang="en-US" sz="2400" dirty="0">
+                <a:solidFill>
+                  <a:srgbClr val="FF0000"/>
+                </a:solidFill>
+              </a:rPr>
+              <a:t>dynamically</a:t>
+            </a:r>
+            <a:r>
+              <a:rPr lang="en-US" sz="2400" dirty="0"/>
+              <a:t>.</a:t>
+            </a:r>
+          </a:p>
+          <a:p>
+            <a:pPr marL="829818" lvl="1" indent="-342900"/>
+            <a:r>
+              <a:rPr lang="en-US" sz="2400" dirty="0" smtClean="0"/>
+              <a:t>Communication topology changes </a:t>
+            </a:r>
+            <a:r>
+              <a:rPr lang="en-US" sz="2400" dirty="0" smtClean="0">
+                <a:solidFill>
+                  <a:srgbClr val="FF0000"/>
+                </a:solidFill>
+              </a:rPr>
+              <a:t>dynamically</a:t>
+            </a:r>
+            <a:r>
+              <a:rPr lang="en-US" sz="2400" dirty="0" smtClean="0"/>
+              <a:t>.</a:t>
+            </a:r>
+            <a:endParaRPr lang="en-US" sz="2400" dirty="0"/>
+          </a:p>
+          <a:p>
+            <a:pPr marL="829818" lvl="1" indent="-342900"/>
+            <a:endParaRPr lang="en-US" sz="2400" dirty="0"/>
+          </a:p>
+        </p:txBody>
+      </p:sp>
+      <p:sp>
+        <p:nvSpPr>
+          <p:cNvPr id="5" name="Footer Placeholder 4"/>
+          <p:cNvSpPr>
+            <a:spLocks noGrp="1"/>
+          </p:cNvSpPr>
+          <p:nvPr>
+            <p:ph type="ftr" sz="quarter" idx="11"/>
+          </p:nvPr>
+        </p:nvSpPr>
+        <p:spPr/>
+        <p:txBody>
+          <a:bodyPr/>
+          <a:lstStyle/>
+          <a:p>
+            <a:pPr marL="0" marR="0" lvl="0" indent="0" algn="ctr" defTabSz="914400" rtl="0" eaLnBrk="1" fontAlgn="auto" latinLnBrk="0" hangingPunct="1">
+              <a:lnSpc>
+                <a:spcPct val="100000"/>
+              </a:lnSpc>
+              <a:spcBef>
+                <a:spcPts val="0"/>
+              </a:spcBef>
+              <a:spcAft>
+                <a:spcPts val="0"/>
+              </a:spcAft>
+              <a:buClrTx/>
+              <a:buSzTx/>
+              <a:buFontTx/>
+              <a:buNone/>
+              <a:tabLst/>
+              <a:defRPr/>
+            </a:pPr>
+            <a:r>
+              <a:rPr kumimoji="0" lang="en-US" sz="900" b="0" i="0" u="none" strike="noStrike" kern="1200" cap="all" spc="0" normalizeH="0" baseline="0" noProof="0" smtClean="0">
+                <a:ln>
+                  <a:noFill/>
+                </a:ln>
+                <a:solidFill>
+                  <a:srgbClr val="000000"/>
+                </a:solidFill>
+                <a:effectLst/>
+                <a:uLnTx/>
+                <a:uFillTx/>
+                <a:latin typeface="Cambria" panose="02040503050406030204"/>
+                <a:ea typeface="+mn-ea"/>
+                <a:cs typeface="+mn-cs"/>
+              </a:rPr>
+              <a:t>SafeAsync: Compositional Safety Testing</a:t>
+            </a:r>
+            <a:endParaRPr kumimoji="0" lang="en-US" sz="900" b="0" i="0" u="none" strike="noStrike" kern="1200" cap="all" spc="0" normalizeH="0" baseline="0" noProof="0" dirty="0">
+              <a:ln>
+                <a:noFill/>
+              </a:ln>
+              <a:solidFill>
+                <a:srgbClr val="000000"/>
+              </a:solidFill>
+              <a:effectLst/>
+              <a:uLnTx/>
+              <a:uFillTx/>
+              <a:latin typeface="Cambria" panose="02040503050406030204"/>
+              <a:ea typeface="+mn-ea"/>
+              <a:cs typeface="+mn-cs"/>
+            </a:endParaRPr>
+          </a:p>
+        </p:txBody>
+      </p:sp>
+      <p:sp>
+        <p:nvSpPr>
+          <p:cNvPr id="6" name="Slide Number Placeholder 5"/>
+          <p:cNvSpPr>
+            <a:spLocks noGrp="1"/>
+          </p:cNvSpPr>
+          <p:nvPr>
+            <p:ph type="sldNum" sz="quarter" idx="12"/>
+          </p:nvPr>
+        </p:nvSpPr>
+        <p:spPr/>
+        <p:txBody>
+          <a:bodyPr/>
+          <a:lstStyle/>
+          <a:p>
+            <a:pPr marL="0" marR="0" lvl="0" indent="0" algn="r" defTabSz="914400" rtl="0" eaLnBrk="1" fontAlgn="auto" latinLnBrk="0" hangingPunct="1">
+              <a:lnSpc>
+                <a:spcPct val="100000"/>
+              </a:lnSpc>
+              <a:spcBef>
+                <a:spcPts val="0"/>
+              </a:spcBef>
+              <a:spcAft>
+                <a:spcPts val="0"/>
+              </a:spcAft>
+              <a:buClrTx/>
+              <a:buSzTx/>
+              <a:buFontTx/>
+              <a:buNone/>
+              <a:tabLst/>
+              <a:defRPr/>
+            </a:pPr>
+            <a:fld id="{77CC721F-1D71-470D-9ADD-E53F1C9EB23A}" type="slidenum">
+              <a:rPr kumimoji="0" lang="en-US" sz="1050" b="0" i="0" u="none" strike="noStrike" kern="1200" cap="none" spc="0" normalizeH="0" baseline="0" noProof="0" smtClean="0">
+                <a:ln>
+                  <a:noFill/>
+                </a:ln>
+                <a:solidFill>
+                  <a:srgbClr val="000000"/>
+                </a:solidFill>
+                <a:effectLst/>
+                <a:uLnTx/>
+                <a:uFillTx/>
+                <a:latin typeface="Cambria" panose="02040503050406030204"/>
+                <a:ea typeface="+mn-ea"/>
+                <a:cs typeface="+mn-cs"/>
+              </a:rPr>
+              <a:pPr marL="0" marR="0" lvl="0" indent="0" algn="r" defTabSz="914400" rtl="0" eaLnBrk="1" fontAlgn="auto" latinLnBrk="0" hangingPunct="1">
+                <a:lnSpc>
+                  <a:spcPct val="100000"/>
+                </a:lnSpc>
+                <a:spcBef>
+                  <a:spcPts val="0"/>
+                </a:spcBef>
+                <a:spcAft>
+                  <a:spcPts val="0"/>
+                </a:spcAft>
+                <a:buClrTx/>
+                <a:buSzTx/>
+                <a:buFontTx/>
+                <a:buNone/>
+                <a:tabLst/>
+                <a:defRPr/>
+              </a:pPr>
+              <a:t>2</a:t>
+            </a:fld>
+            <a:endParaRPr kumimoji="0" lang="en-US" sz="1050" b="0" i="0" u="none" strike="noStrike" kern="1200" cap="none" spc="0" normalizeH="0" baseline="0" noProof="0" dirty="0">
+              <a:ln>
+                <a:noFill/>
+              </a:ln>
+              <a:solidFill>
+                <a:srgbClr val="000000"/>
+              </a:solidFill>
+              <a:effectLst/>
+              <a:uLnTx/>
+              <a:uFillTx/>
+              <a:latin typeface="Cambria" panose="02040503050406030204"/>
+              <a:ea typeface="+mn-ea"/>
+              <a:cs typeface="+mn-cs"/>
+            </a:endParaRPr>
+          </a:p>
+        </p:txBody>
+      </p:sp>
+      <p:sp>
+        <p:nvSpPr>
+          <p:cNvPr id="4" name="Date Placeholder 3"/>
+          <p:cNvSpPr>
+            <a:spLocks noGrp="1"/>
+          </p:cNvSpPr>
+          <p:nvPr>
+            <p:ph type="dt" sz="half" idx="10"/>
+          </p:nvPr>
+        </p:nvSpPr>
+        <p:spPr/>
+        <p:txBody>
+          <a:bodyPr/>
+          <a:lstStyle/>
+          <a:p>
+            <a:pPr marL="0" marR="0" lvl="0" indent="0" algn="l" defTabSz="914400" rtl="0" eaLnBrk="1" fontAlgn="auto" latinLnBrk="0" hangingPunct="1">
+              <a:lnSpc>
+                <a:spcPct val="100000"/>
+              </a:lnSpc>
+              <a:spcBef>
+                <a:spcPts val="0"/>
+              </a:spcBef>
+              <a:spcAft>
+                <a:spcPts val="0"/>
+              </a:spcAft>
+              <a:buClrTx/>
+              <a:buSzTx/>
+              <a:buFontTx/>
+              <a:buNone/>
+              <a:tabLst/>
+              <a:defRPr/>
+            </a:pPr>
+            <a:r>
+              <a:rPr kumimoji="0" lang="en-US" sz="900" b="0" i="0" u="none" strike="noStrike" kern="1200" cap="none" spc="0" normalizeH="0" baseline="0" noProof="0" smtClean="0">
+                <a:ln>
+                  <a:noFill/>
+                </a:ln>
+                <a:solidFill>
+                  <a:srgbClr val="000000"/>
+                </a:solidFill>
+                <a:effectLst/>
+                <a:uLnTx/>
+                <a:uFillTx/>
+                <a:latin typeface="Cambria" panose="02040503050406030204"/>
+                <a:ea typeface="+mn-ea"/>
+                <a:cs typeface="+mn-cs"/>
+              </a:rPr>
+              <a:t>PLDI 2019</a:t>
+            </a:r>
+            <a:endParaRPr kumimoji="0" lang="en-US" sz="900" b="0" i="0" u="none" strike="noStrike" kern="1200" cap="none" spc="0" normalizeH="0" baseline="0" noProof="0" dirty="0">
+              <a:ln>
+                <a:noFill/>
+              </a:ln>
+              <a:solidFill>
+                <a:srgbClr val="000000"/>
+              </a:solidFill>
+              <a:effectLst/>
+              <a:uLnTx/>
+              <a:uFillTx/>
+              <a:latin typeface="Cambria" panose="02040503050406030204"/>
+              <a:ea typeface="+mn-ea"/>
+              <a:cs typeface="+mn-cs"/>
+            </a:endParaRPr>
+          </a:p>
+        </p:txBody>
+      </p:sp>
+    </p:spTree>
+    <p:extLst>
+      <p:ext uri="{BB962C8B-B14F-4D97-AF65-F5344CB8AC3E}">
+        <p14:creationId xmlns:p14="http://schemas.microsoft.com/office/powerpoint/2010/main" val="246491429"/>
+      </p:ext>
+    </p:extLst>
+  </p:cSld>
+  <p:clrMapOvr>
+    <a:masterClrMapping/>
+  </p:clrMapOvr>
+  <p:timing>
+    <p:tnLst>
+      <p:par>
+        <p:cTn id="1" dur="indefinite" restart="never" nodeType="tmRoot"/>
+      </p:par>
+    </p:tnLst>
+  </p:timing>
+</p:sld>
+</file>
+
+<file path=ppt/slides/slide20.xml><?xml version="1.0" encoding="utf-8"?>
 <p:sld xmlns:a="http://schemas.openxmlformats.org/drawingml/2006/main" xmlns:r="http://schemas.openxmlformats.org/officeDocument/2006/relationships" xmlns:p="http://schemas.openxmlformats.org/presentationml/2006/main">
   <p:cSld>
     <p:spTree>
@@ -22204,7 +22983,7 @@
                 <a:ea typeface="+mn-ea"/>
                 <a:cs typeface="+mn-cs"/>
               </a:rPr>
-              <a:t>Compositional Safety Testing</a:t>
+              <a:t>SafeAsync: Compositional Safety Testing</a:t>
             </a:r>
             <a:endParaRPr kumimoji="0" lang="en-US" sz="900" b="0" i="0" u="none" strike="noStrike" kern="1200" cap="all" spc="0" normalizeH="0" baseline="0" noProof="0" dirty="0">
               <a:ln>
@@ -22287,7 +23066,7 @@
                 <a:tabLst/>
                 <a:defRPr/>
               </a:pPr>
-              <a:t>19</a:t>
+              <a:t>20</a:t>
             </a:fld>
             <a:endParaRPr kumimoji="0" lang="en-US" sz="1050" b="0" i="0" u="none" strike="noStrike" kern="1200" cap="none" spc="0" normalizeH="0" baseline="0" noProof="0" dirty="0">
               <a:ln>
@@ -22611,7 +23390,7 @@
 </p:sld>
 </file>
 
-<file path=ppt/slides/slide2.xml><?xml version="1.0" encoding="utf-8"?>
+<file path=ppt/slides/slide21.xml><?xml version="1.0" encoding="utf-8"?>
 <p:sld xmlns:a="http://schemas.openxmlformats.org/drawingml/2006/main" xmlns:r="http://schemas.openxmlformats.org/officeDocument/2006/relationships" xmlns:p="http://schemas.openxmlformats.org/presentationml/2006/main">
   <p:cSld>
     <p:spTree>
@@ -22630,7 +23409,13 @@
       </p:grpSpPr>
       <p:sp>
         <p:nvSpPr>
-          <p:cNvPr id="2" name="Title 1"/>
+          <p:cNvPr id="2" name="Title 1">
+            <a:extLst>
+              <a:ext uri="{FF2B5EF4-FFF2-40B4-BE49-F238E27FC236}">
+                <a16:creationId xmlns:a16="http://schemas.microsoft.com/office/drawing/2014/main" id="{E9082F59-93C1-4621-98BA-663ECDEAEABA}"/>
+              </a:ext>
+            </a:extLst>
+          </p:cNvPr>
           <p:cNvSpPr>
             <a:spLocks noGrp="1"/>
           </p:cNvSpPr>
@@ -22638,12 +23423,7 @@
             <p:ph type="title"/>
           </p:nvPr>
         </p:nvSpPr>
-        <p:spPr>
-          <a:xfrm>
-            <a:off x="475440" y="237837"/>
-            <a:ext cx="8238837" cy="802457"/>
-          </a:xfrm>
-        </p:spPr>
+        <p:spPr/>
         <p:txBody>
           <a:bodyPr>
             <a:noAutofit/>
@@ -22651,27 +23431,567 @@
           <a:lstStyle/>
           <a:p>
             <a:r>
-              <a:rPr lang="en-US" sz="4000" dirty="0" smtClean="0"/>
-              <a:t>Characteristics </a:t>
-            </a:r>
-            <a:r>
               <a:rPr lang="en-US" sz="4000" dirty="0"/>
-              <a:t>of </a:t>
-            </a:r>
-            <a:r>
-              <a:rPr lang="en-US" sz="4000" dirty="0" smtClean="0"/>
-              <a:t>Distributed </a:t>
-            </a:r>
-            <a:r>
-              <a:rPr lang="en-US" sz="4000" dirty="0"/>
-              <a:t>Systems</a:t>
-            </a:r>
+              <a:t>Permissioned machine identifiers</a:t>
+            </a:r>
+          </a:p>
+        </p:txBody>
+      </p:sp>
+      <mc:AlternateContent xmlns:mc="http://schemas.openxmlformats.org/markup-compatibility/2006" xmlns:a14="http://schemas.microsoft.com/office/drawing/2010/main">
+        <mc:Choice Requires="a14">
+          <p:sp>
+            <p:nvSpPr>
+              <p:cNvPr id="3" name="Content Placeholder 2">
+                <a:extLst>
+                  <a:ext uri="{FF2B5EF4-FFF2-40B4-BE49-F238E27FC236}">
+                    <a16:creationId xmlns:a16="http://schemas.microsoft.com/office/drawing/2014/main" id="{97CC38DF-8880-4647-95AF-BEFC07677DFD}"/>
+                  </a:ext>
+                </a:extLst>
+              </p:cNvPr>
+              <p:cNvSpPr>
+                <a:spLocks noGrp="1"/>
+              </p:cNvSpPr>
+              <p:nvPr>
+                <p:ph idx="1"/>
+              </p:nvPr>
+            </p:nvSpPr>
+            <p:spPr/>
+            <p:txBody>
+              <a:bodyPr>
+                <a:noAutofit/>
+              </a:bodyPr>
+              <a:lstStyle/>
+              <a:p>
+                <a:r>
+                  <a:rPr lang="en-US" dirty="0" smtClean="0"/>
+                  <a:t>Machine identifier is extended with permissions.</a:t>
+                </a:r>
+                <a:endParaRPr lang="en-US" dirty="0"/>
+              </a:p>
+              <a:p>
+                <a:pPr lvl="1"/>
+                <a:r>
+                  <a:rPr lang="en-US" dirty="0" smtClean="0"/>
+                  <a:t>Permission is </a:t>
+                </a:r>
+                <a:r>
+                  <a:rPr lang="en-US" dirty="0"/>
+                  <a:t>a set of </a:t>
+                </a:r>
+                <a:r>
+                  <a:rPr lang="en-US" dirty="0" smtClean="0"/>
+                  <a:t>events that can be sent to target machine using the identifier.</a:t>
+                </a:r>
+              </a:p>
+              <a:p>
+                <a:pPr lvl="1"/>
+                <a:r>
+                  <a:rPr lang="en-US" dirty="0" smtClean="0"/>
+                  <a:t>Identifier i, permissions is perm(i)</a:t>
+                </a:r>
+                <a:endParaRPr lang="en-US" dirty="0"/>
+              </a:p>
+              <a:p>
+                <a:endParaRPr lang="en-US" dirty="0"/>
+              </a:p>
+              <a:p>
+                <a:r>
+                  <a:rPr lang="en-US" dirty="0"/>
+                  <a:t>A(e): annotation on event </a:t>
+                </a:r>
+                <a:r>
+                  <a:rPr lang="en-US" dirty="0" smtClean="0"/>
+                  <a:t>e  (capabilities).</a:t>
+                </a:r>
+                <a:endParaRPr lang="en-US" dirty="0"/>
+              </a:p>
+              <a:p>
+                <a:pPr lvl="1"/>
+                <a:r>
+                  <a:rPr lang="en-US" dirty="0"/>
+                  <a:t>permission of identifier embedded in payload of e must be contained in A(e</a:t>
+                </a:r>
+                <a:r>
+                  <a:rPr lang="en-US" dirty="0" smtClean="0"/>
+                  <a:t>). </a:t>
+                </a:r>
+              </a:p>
+              <a:p>
+                <a:pPr lvl="1"/>
+                <a:endParaRPr lang="en-US" dirty="0"/>
+              </a:p>
+              <a:p>
+                <a:pPr lvl="1"/>
+                <a:r>
+                  <a:rPr lang="en-US" dirty="0" smtClean="0"/>
+                  <a:t>If identifier i is embedded in the payload of event e then perm(i) </a:t>
+                </a:r>
+                <a14:m>
+                  <m:oMath xmlns:m="http://schemas.openxmlformats.org/officeDocument/2006/math">
+                    <m:r>
+                      <a:rPr lang="en-US" i="1" smtClean="0">
+                        <a:latin typeface="Cambria Math" panose="02040503050406030204" pitchFamily="18" charset="0"/>
+                      </a:rPr>
+                      <m:t>⊆</m:t>
+                    </m:r>
+                    <m:r>
+                      <a:rPr lang="en-US" b="0" i="1" smtClean="0">
+                        <a:latin typeface="Cambria Math" panose="02040503050406030204" pitchFamily="18" charset="0"/>
+                      </a:rPr>
+                      <m:t> </m:t>
+                    </m:r>
+                  </m:oMath>
+                </a14:m>
+                <a:r>
+                  <a:rPr lang="en-US" dirty="0" smtClean="0"/>
+                  <a:t>A(e).</a:t>
+                </a:r>
+              </a:p>
+              <a:p>
+                <a:pPr marL="201168" lvl="1" indent="0">
+                  <a:buNone/>
+                </a:pPr>
+                <a:endParaRPr lang="en-US" dirty="0" smtClean="0"/>
+              </a:p>
+              <a:p>
+                <a:pPr lvl="1"/>
+                <a:endParaRPr lang="en-US" dirty="0"/>
+              </a:p>
+            </p:txBody>
+          </p:sp>
+        </mc:Choice>
+        <mc:Fallback xmlns="">
+          <p:sp>
+            <p:nvSpPr>
+              <p:cNvPr id="3" name="Content Placeholder 2">
+                <a:extLst>
+                  <a:ext uri="{FF2B5EF4-FFF2-40B4-BE49-F238E27FC236}">
+                    <a16:creationId xmlns:a16="http://schemas.microsoft.com/office/drawing/2014/main" id="{97CC38DF-8880-4647-95AF-BEFC07677DFD}"/>
+                  </a:ext>
+                </a:extLst>
+              </p:cNvPr>
+              <p:cNvSpPr>
+                <a:spLocks noGrp="1" noRot="1" noChangeAspect="1" noMove="1" noResize="1" noEditPoints="1" noAdjustHandles="1" noChangeArrowheads="1" noChangeShapeType="1" noTextEdit="1"/>
+              </p:cNvSpPr>
+              <p:nvPr>
+                <p:ph idx="1"/>
+              </p:nvPr>
+            </p:nvSpPr>
+            <p:spPr>
+              <a:blipFill>
+                <a:blip r:embed="rId3"/>
+                <a:stretch>
+                  <a:fillRect l="-2423" t="-1882"/>
+                </a:stretch>
+              </a:blipFill>
+            </p:spPr>
+            <p:txBody>
+              <a:bodyPr/>
+              <a:lstStyle/>
+              <a:p>
+                <a:r>
+                  <a:rPr lang="en-US">
+                    <a:noFill/>
+                  </a:rPr>
+                  <a:t> </a:t>
+                </a:r>
+              </a:p>
+            </p:txBody>
+          </p:sp>
+        </mc:Fallback>
+      </mc:AlternateContent>
+      <p:sp>
+        <p:nvSpPr>
+          <p:cNvPr id="4" name="Footer Placeholder 3"/>
+          <p:cNvSpPr>
+            <a:spLocks noGrp="1"/>
+          </p:cNvSpPr>
+          <p:nvPr>
+            <p:ph type="ftr" sz="quarter" idx="11"/>
+          </p:nvPr>
+        </p:nvSpPr>
+        <p:spPr/>
+        <p:txBody>
+          <a:bodyPr/>
+          <a:lstStyle/>
+          <a:p>
+            <a:r>
+              <a:rPr lang="en-US" smtClean="0"/>
+              <a:t>SafeAsync: Compositional Safety Testing</a:t>
+            </a:r>
+            <a:endParaRPr lang="en-US" dirty="0"/>
           </a:p>
         </p:txBody>
       </p:sp>
       <p:sp>
         <p:nvSpPr>
-          <p:cNvPr id="3" name="Content Placeholder 2"/>
+          <p:cNvPr id="5" name="Slide Number Placeholder 4"/>
+          <p:cNvSpPr>
+            <a:spLocks noGrp="1"/>
+          </p:cNvSpPr>
+          <p:nvPr>
+            <p:ph type="sldNum" sz="quarter" idx="12"/>
+          </p:nvPr>
+        </p:nvSpPr>
+        <p:spPr/>
+        <p:txBody>
+          <a:bodyPr/>
+          <a:lstStyle/>
+          <a:p>
+            <a:fld id="{77CC721F-1D71-470D-9ADD-E53F1C9EB23A}" type="slidenum">
+              <a:rPr lang="en-US" smtClean="0"/>
+              <a:pPr/>
+              <a:t>21</a:t>
+            </a:fld>
+            <a:endParaRPr lang="en-US" dirty="0"/>
+          </a:p>
+        </p:txBody>
+      </p:sp>
+      <p:sp>
+        <p:nvSpPr>
+          <p:cNvPr id="6" name="Date Placeholder 5"/>
+          <p:cNvSpPr>
+            <a:spLocks noGrp="1"/>
+          </p:cNvSpPr>
+          <p:nvPr>
+            <p:ph type="dt" sz="half" idx="10"/>
+          </p:nvPr>
+        </p:nvSpPr>
+        <p:spPr/>
+        <p:txBody>
+          <a:bodyPr/>
+          <a:lstStyle/>
+          <a:p>
+            <a:r>
+              <a:rPr lang="en-US" smtClean="0"/>
+              <a:t>PLDI 2019</a:t>
+            </a:r>
+            <a:endParaRPr lang="en-US" dirty="0"/>
+          </a:p>
+        </p:txBody>
+      </p:sp>
+    </p:spTree>
+    <p:extLst>
+      <p:ext uri="{BB962C8B-B14F-4D97-AF65-F5344CB8AC3E}">
+        <p14:creationId xmlns:p14="http://schemas.microsoft.com/office/powerpoint/2010/main" val="1191025823"/>
+      </p:ext>
+    </p:extLst>
+  </p:cSld>
+  <p:clrMapOvr>
+    <a:masterClrMapping/>
+  </p:clrMapOvr>
+  <p:timing>
+    <p:tnLst>
+      <p:par>
+        <p:cTn id="1" dur="indefinite" restart="never" nodeType="tmRoot">
+          <p:childTnLst>
+            <p:seq concurrent="1" nextAc="seek">
+              <p:cTn id="2" dur="indefinite" nodeType="mainSeq">
+                <p:childTnLst>
+                  <p:par>
+                    <p:cTn id="3" fill="hold">
+                      <p:stCondLst>
+                        <p:cond delay="indefinite"/>
+                      </p:stCondLst>
+                      <p:childTnLst>
+                        <p:par>
+                          <p:cTn id="4" fill="hold">
+                            <p:stCondLst>
+                              <p:cond delay="0"/>
+                            </p:stCondLst>
+                            <p:childTnLst>
+                              <p:par>
+                                <p:cTn id="5" presetID="1" presetClass="entr" presetSubtype="0" fill="hold" grpId="0" nodeType="clickEffect">
+                                  <p:stCondLst>
+                                    <p:cond delay="0"/>
+                                  </p:stCondLst>
+                                  <p:childTnLst>
+                                    <p:set>
+                                      <p:cBhvr>
+                                        <p:cTn id="6" dur="1" fill="hold">
+                                          <p:stCondLst>
+                                            <p:cond delay="0"/>
+                                          </p:stCondLst>
+                                        </p:cTn>
+                                        <p:tgtEl>
+                                          <p:spTgt spid="3">
+                                            <p:txEl>
+                                              <p:pRg st="0" end="0"/>
+                                            </p:txEl>
+                                          </p:spTgt>
+                                        </p:tgtEl>
+                                        <p:attrNameLst>
+                                          <p:attrName>style.visibility</p:attrName>
+                                        </p:attrNameLst>
+                                      </p:cBhvr>
+                                      <p:to>
+                                        <p:strVal val="visible"/>
+                                      </p:to>
+                                    </p:set>
+                                  </p:childTnLst>
+                                </p:cTn>
+                              </p:par>
+                              <p:par>
+                                <p:cTn id="7" presetID="1" presetClass="entr" presetSubtype="0" fill="hold" grpId="0" nodeType="withEffect">
+                                  <p:stCondLst>
+                                    <p:cond delay="0"/>
+                                  </p:stCondLst>
+                                  <p:childTnLst>
+                                    <p:set>
+                                      <p:cBhvr>
+                                        <p:cTn id="8" dur="1" fill="hold">
+                                          <p:stCondLst>
+                                            <p:cond delay="0"/>
+                                          </p:stCondLst>
+                                        </p:cTn>
+                                        <p:tgtEl>
+                                          <p:spTgt spid="3">
+                                            <p:txEl>
+                                              <p:pRg st="1" end="1"/>
+                                            </p:txEl>
+                                          </p:spTgt>
+                                        </p:tgtEl>
+                                        <p:attrNameLst>
+                                          <p:attrName>style.visibility</p:attrName>
+                                        </p:attrNameLst>
+                                      </p:cBhvr>
+                                      <p:to>
+                                        <p:strVal val="visible"/>
+                                      </p:to>
+                                    </p:set>
+                                  </p:childTnLst>
+                                </p:cTn>
+                              </p:par>
+                              <p:par>
+                                <p:cTn id="9" presetID="1" presetClass="entr" presetSubtype="0" fill="hold" grpId="0" nodeType="withEffect">
+                                  <p:stCondLst>
+                                    <p:cond delay="0"/>
+                                  </p:stCondLst>
+                                  <p:childTnLst>
+                                    <p:set>
+                                      <p:cBhvr>
+                                        <p:cTn id="10" dur="1" fill="hold">
+                                          <p:stCondLst>
+                                            <p:cond delay="0"/>
+                                          </p:stCondLst>
+                                        </p:cTn>
+                                        <p:tgtEl>
+                                          <p:spTgt spid="3">
+                                            <p:txEl>
+                                              <p:pRg st="2" end="2"/>
+                                            </p:txEl>
+                                          </p:spTgt>
+                                        </p:tgtEl>
+                                        <p:attrNameLst>
+                                          <p:attrName>style.visibility</p:attrName>
+                                        </p:attrNameLst>
+                                      </p:cBhvr>
+                                      <p:to>
+                                        <p:strVal val="visible"/>
+                                      </p:to>
+                                    </p:set>
+                                  </p:childTnLst>
+                                </p:cTn>
+                              </p:par>
+                            </p:childTnLst>
+                          </p:cTn>
+                        </p:par>
+                      </p:childTnLst>
+                    </p:cTn>
+                  </p:par>
+                  <p:par>
+                    <p:cTn id="11" fill="hold">
+                      <p:stCondLst>
+                        <p:cond delay="indefinite"/>
+                      </p:stCondLst>
+                      <p:childTnLst>
+                        <p:par>
+                          <p:cTn id="12" fill="hold">
+                            <p:stCondLst>
+                              <p:cond delay="0"/>
+                            </p:stCondLst>
+                            <p:childTnLst>
+                              <p:par>
+                                <p:cTn id="13" presetID="1" presetClass="entr" presetSubtype="0" fill="hold" grpId="0" nodeType="clickEffect">
+                                  <p:stCondLst>
+                                    <p:cond delay="0"/>
+                                  </p:stCondLst>
+                                  <p:childTnLst>
+                                    <p:set>
+                                      <p:cBhvr>
+                                        <p:cTn id="14" dur="1" fill="hold">
+                                          <p:stCondLst>
+                                            <p:cond delay="0"/>
+                                          </p:stCondLst>
+                                        </p:cTn>
+                                        <p:tgtEl>
+                                          <p:spTgt spid="3">
+                                            <p:txEl>
+                                              <p:pRg st="4" end="4"/>
+                                            </p:txEl>
+                                          </p:spTgt>
+                                        </p:tgtEl>
+                                        <p:attrNameLst>
+                                          <p:attrName>style.visibility</p:attrName>
+                                        </p:attrNameLst>
+                                      </p:cBhvr>
+                                      <p:to>
+                                        <p:strVal val="visible"/>
+                                      </p:to>
+                                    </p:set>
+                                  </p:childTnLst>
+                                </p:cTn>
+                              </p:par>
+                              <p:par>
+                                <p:cTn id="15" presetID="1" presetClass="entr" presetSubtype="0" fill="hold" grpId="0" nodeType="withEffect">
+                                  <p:stCondLst>
+                                    <p:cond delay="0"/>
+                                  </p:stCondLst>
+                                  <p:childTnLst>
+                                    <p:set>
+                                      <p:cBhvr>
+                                        <p:cTn id="16" dur="1" fill="hold">
+                                          <p:stCondLst>
+                                            <p:cond delay="0"/>
+                                          </p:stCondLst>
+                                        </p:cTn>
+                                        <p:tgtEl>
+                                          <p:spTgt spid="3">
+                                            <p:txEl>
+                                              <p:pRg st="5" end="5"/>
+                                            </p:txEl>
+                                          </p:spTgt>
+                                        </p:tgtEl>
+                                        <p:attrNameLst>
+                                          <p:attrName>style.visibility</p:attrName>
+                                        </p:attrNameLst>
+                                      </p:cBhvr>
+                                      <p:to>
+                                        <p:strVal val="visible"/>
+                                      </p:to>
+                                    </p:set>
+                                  </p:childTnLst>
+                                </p:cTn>
+                              </p:par>
+                              <p:par>
+                                <p:cTn id="17" presetID="1" presetClass="entr" presetSubtype="0" fill="hold" grpId="0" nodeType="withEffect">
+                                  <p:stCondLst>
+                                    <p:cond delay="0"/>
+                                  </p:stCondLst>
+                                  <p:childTnLst>
+                                    <p:set>
+                                      <p:cBhvr>
+                                        <p:cTn id="18" dur="1" fill="hold">
+                                          <p:stCondLst>
+                                            <p:cond delay="0"/>
+                                          </p:stCondLst>
+                                        </p:cTn>
+                                        <p:tgtEl>
+                                          <p:spTgt spid="3">
+                                            <p:txEl>
+                                              <p:pRg st="7" end="7"/>
+                                            </p:txEl>
+                                          </p:spTgt>
+                                        </p:tgtEl>
+                                        <p:attrNameLst>
+                                          <p:attrName>style.visibility</p:attrName>
+                                        </p:attrNameLst>
+                                      </p:cBhvr>
+                                      <p:to>
+                                        <p:strVal val="visible"/>
+                                      </p:to>
+                                    </p:set>
+                                  </p:childTnLst>
+                                </p:cTn>
+                              </p:par>
+                            </p:childTnLst>
+                          </p:cTn>
+                        </p:par>
+                      </p:childTnLst>
+                    </p:cTn>
+                  </p:par>
+                </p:childTnLst>
+              </p:cTn>
+              <p:prevCondLst>
+                <p:cond evt="onPrev" delay="0">
+                  <p:tgtEl>
+                    <p:sldTgt/>
+                  </p:tgtEl>
+                </p:cond>
+              </p:prevCondLst>
+              <p:nextCondLst>
+                <p:cond evt="onNext" delay="0">
+                  <p:tgtEl>
+                    <p:sldTgt/>
+                  </p:tgtEl>
+                </p:cond>
+              </p:nextCondLst>
+            </p:seq>
+          </p:childTnLst>
+        </p:cTn>
+      </p:par>
+    </p:tnLst>
+    <p:bldLst>
+      <p:bldP spid="3" grpId="0" build="p"/>
+    </p:bldLst>
+  </p:timing>
+</p:sld>
+</file>
+
+<file path=ppt/slides/slide22.xml><?xml version="1.0" encoding="utf-8"?>
+<p:sld xmlns:a="http://schemas.openxmlformats.org/drawingml/2006/main" xmlns:r="http://schemas.openxmlformats.org/officeDocument/2006/relationships" xmlns:p="http://schemas.openxmlformats.org/presentationml/2006/main">
+  <p:cSld>
+    <p:spTree>
+      <p:nvGrpSpPr>
+        <p:cNvPr id="1" name=""/>
+        <p:cNvGrpSpPr/>
+        <p:nvPr/>
+      </p:nvGrpSpPr>
+      <p:grpSpPr>
+        <a:xfrm>
+          <a:off x="0" y="0"/>
+          <a:ext cx="0" cy="0"/>
+          <a:chOff x="0" y="0"/>
+          <a:chExt cx="0" cy="0"/>
+        </a:xfrm>
+      </p:grpSpPr>
+      <p:sp>
+        <p:nvSpPr>
+          <p:cNvPr id="2" name="Title 1">
+            <a:extLst>
+              <a:ext uri="{FF2B5EF4-FFF2-40B4-BE49-F238E27FC236}">
+                <a16:creationId xmlns:a16="http://schemas.microsoft.com/office/drawing/2014/main" id="{6D50A9AB-0718-46E9-89E5-82629C18CBDB}"/>
+              </a:ext>
+            </a:extLst>
+          </p:cNvPr>
+          <p:cNvSpPr>
+            <a:spLocks noGrp="1"/>
+          </p:cNvSpPr>
+          <p:nvPr>
+            <p:ph type="title"/>
+          </p:nvPr>
+        </p:nvSpPr>
+        <p:spPr/>
+        <p:txBody>
+          <a:bodyPr/>
+          <a:lstStyle/>
+          <a:p>
+            <a:r>
+              <a:rPr lang="en-US" dirty="0"/>
+              <a:t>Hiding events soundly</a:t>
+            </a:r>
+          </a:p>
+        </p:txBody>
+      </p:sp>
+      <p:sp>
+        <p:nvSpPr>
+          <p:cNvPr id="3" name="Content Placeholder 2">
+            <a:extLst>
+              <a:ext uri="{FF2B5EF4-FFF2-40B4-BE49-F238E27FC236}">
+                <a16:creationId xmlns:a16="http://schemas.microsoft.com/office/drawing/2014/main" id="{C82E2FFD-305E-4535-A867-E7C1FE4E83B6}"/>
+              </a:ext>
+            </a:extLst>
+          </p:cNvPr>
           <p:cNvSpPr>
             <a:spLocks noGrp="1"/>
           </p:cNvSpPr>
@@ -22686,97 +24006,162 @@
           </a:bodyPr>
           <a:lstStyle/>
           <a:p>
-            <a:pPr marL="342900" indent="-342900">
-              <a:buFont typeface="Arial" panose="020B0604020202020204" pitchFamily="34" charset="0"/>
-              <a:buChar char="•"/>
-            </a:pPr>
-            <a:endParaRPr lang="en-US" sz="2800" dirty="0"/>
-          </a:p>
-          <a:p>
-            <a:pPr marL="342900" indent="-342900">
-              <a:buFont typeface="Arial" panose="020B0604020202020204" pitchFamily="34" charset="0"/>
-              <a:buChar char="•"/>
-            </a:pPr>
-            <a:r>
-              <a:rPr lang="en-US" sz="2800" dirty="0" smtClean="0"/>
-              <a:t>Actor model of computation.</a:t>
-            </a:r>
-            <a:endParaRPr lang="en-US" sz="2800" dirty="0"/>
-          </a:p>
-          <a:p>
-            <a:pPr marL="829818" lvl="1" indent="-342900"/>
-            <a:r>
-              <a:rPr lang="en-US" sz="2400" dirty="0"/>
-              <a:t>Collection of concurrently executing processes</a:t>
-            </a:r>
-            <a:r>
-              <a:rPr lang="en-US" sz="2400" dirty="0" smtClean="0"/>
-              <a:t>.</a:t>
-            </a:r>
-          </a:p>
-          <a:p>
-            <a:pPr marL="829818" lvl="1" indent="-342900"/>
-            <a:r>
-              <a:rPr lang="en-US" sz="2400" dirty="0" smtClean="0"/>
-              <a:t>Processes </a:t>
-            </a:r>
-            <a:r>
-              <a:rPr lang="en-US" sz="2400" dirty="0"/>
-              <a:t>communicate by asynchronously sending messages or events to each </a:t>
-            </a:r>
-            <a:r>
-              <a:rPr lang="en-US" sz="2400" dirty="0" smtClean="0"/>
-              <a:t>other.</a:t>
-            </a:r>
-          </a:p>
-          <a:p>
-            <a:pPr marL="829818" lvl="1" indent="-342900"/>
-            <a:r>
-              <a:rPr lang="en-US" sz="2400" dirty="0"/>
-              <a:t>Processes can be created </a:t>
-            </a:r>
-            <a:r>
-              <a:rPr lang="en-US" sz="2400" dirty="0">
-                <a:solidFill>
-                  <a:srgbClr val="FF0000"/>
-                </a:solidFill>
-              </a:rPr>
-              <a:t>dynamically</a:t>
-            </a:r>
-            <a:r>
-              <a:rPr lang="en-US" sz="2400" dirty="0"/>
-              <a:t>.</a:t>
-            </a:r>
-          </a:p>
-          <a:p>
-            <a:pPr marL="829818" lvl="1" indent="-342900"/>
-            <a:r>
-              <a:rPr lang="en-US" sz="2400" dirty="0" smtClean="0"/>
-              <a:t>Communication topology changes </a:t>
-            </a:r>
-            <a:r>
-              <a:rPr lang="en-US" sz="2400" dirty="0" smtClean="0">
-                <a:solidFill>
-                  <a:srgbClr val="FF0000"/>
-                </a:solidFill>
-              </a:rPr>
-              <a:t>dynamically</a:t>
-            </a:r>
-            <a:r>
-              <a:rPr lang="en-US" sz="2400" dirty="0" smtClean="0"/>
-              <a:t>.</a:t>
-            </a:r>
-            <a:endParaRPr lang="en-US" sz="2400" dirty="0"/>
-          </a:p>
-          <a:p>
-            <a:pPr marL="829818" lvl="1" indent="-342900"/>
-            <a:endParaRPr lang="en-US" sz="2400" dirty="0"/>
+            <a:r>
+              <a:rPr lang="en-US" dirty="0"/>
+              <a:t>Dynamic enforcement of </a:t>
+            </a:r>
+            <a:r>
+              <a:rPr lang="en-US" dirty="0">
+                <a:solidFill>
+                  <a:srgbClr val="0000FF"/>
+                </a:solidFill>
+              </a:rPr>
+              <a:t>send </a:t>
+            </a:r>
+            <a:r>
+              <a:rPr lang="en-US" dirty="0" smtClean="0">
+                <a:solidFill>
+                  <a:srgbClr val="0000FF"/>
+                </a:solidFill>
+              </a:rPr>
+              <a:t>t, </a:t>
+            </a:r>
+            <a:r>
+              <a:rPr lang="en-US" dirty="0">
+                <a:solidFill>
+                  <a:srgbClr val="0000FF"/>
+                </a:solidFill>
+              </a:rPr>
+              <a:t>e, v</a:t>
+            </a:r>
+          </a:p>
+          <a:p>
+            <a:pPr lvl="1"/>
+            <a:r>
+              <a:rPr lang="en-US" dirty="0" smtClean="0"/>
+              <a:t>If e </a:t>
+            </a:r>
+            <a:r>
+              <a:rPr lang="en-US" dirty="0" smtClean="0">
+                <a:sym typeface="Symbol" panose="05050102010706020507" pitchFamily="18" charset="2"/>
+              </a:rPr>
+              <a:t></a:t>
+            </a:r>
+            <a:r>
+              <a:rPr lang="en-US" dirty="0" smtClean="0"/>
+              <a:t> ES then for </a:t>
+            </a:r>
+            <a:r>
+              <a:rPr lang="en-US" dirty="0"/>
+              <a:t>each </a:t>
+            </a:r>
+            <a:r>
+              <a:rPr lang="en-US" dirty="0" smtClean="0"/>
+              <a:t>identifier i embedded </a:t>
+            </a:r>
+            <a:r>
+              <a:rPr lang="en-US" dirty="0"/>
+              <a:t>in v: </a:t>
+            </a:r>
+            <a:r>
+              <a:rPr lang="en-US" dirty="0" smtClean="0"/>
+              <a:t>perm(i) </a:t>
+            </a:r>
+            <a:r>
+              <a:rPr lang="en-US" dirty="0">
+                <a:sym typeface="Symbol" panose="05050102010706020507" pitchFamily="18" charset="2"/>
+              </a:rPr>
+              <a:t> A(e</a:t>
+            </a:r>
+            <a:r>
+              <a:rPr lang="en-US" dirty="0" smtClean="0">
+                <a:sym typeface="Symbol" panose="05050102010706020507" pitchFamily="18" charset="2"/>
+              </a:rPr>
+              <a:t>).</a:t>
+            </a:r>
+          </a:p>
+          <a:p>
+            <a:pPr lvl="1"/>
+            <a:r>
+              <a:rPr lang="en-US" dirty="0" smtClean="0">
+                <a:sym typeface="Symbol" panose="05050102010706020507" pitchFamily="18" charset="2"/>
+              </a:rPr>
+              <a:t>e is in perm(t).</a:t>
+            </a:r>
+            <a:endParaRPr lang="en-US" dirty="0">
+              <a:sym typeface="Symbol" panose="05050102010706020507" pitchFamily="18" charset="2"/>
+            </a:endParaRPr>
+          </a:p>
+          <a:p>
+            <a:endParaRPr lang="en-US" dirty="0">
+              <a:sym typeface="Symbol" panose="05050102010706020507" pitchFamily="18" charset="2"/>
+            </a:endParaRPr>
+          </a:p>
+          <a:p>
+            <a:r>
+              <a:rPr lang="en-US" dirty="0">
+                <a:sym typeface="Symbol" panose="05050102010706020507" pitchFamily="18" charset="2"/>
+              </a:rPr>
+              <a:t>Static enforcement of </a:t>
+            </a:r>
+            <a:r>
+              <a:rPr lang="en-US" dirty="0">
+                <a:solidFill>
+                  <a:srgbClr val="0000FF"/>
+                </a:solidFill>
+                <a:sym typeface="Symbol" panose="05050102010706020507" pitchFamily="18" charset="2"/>
+              </a:rPr>
+              <a:t>hide </a:t>
+            </a:r>
+            <a:r>
+              <a:rPr lang="en-US" dirty="0" smtClean="0">
+                <a:solidFill>
+                  <a:srgbClr val="0000FF"/>
+                </a:solidFill>
+                <a:sym typeface="Symbol" panose="05050102010706020507" pitchFamily="18" charset="2"/>
+              </a:rPr>
+              <a:t>e </a:t>
+            </a:r>
+            <a:r>
+              <a:rPr lang="en-US" dirty="0">
+                <a:solidFill>
+                  <a:srgbClr val="0000FF"/>
+                </a:solidFill>
+                <a:sym typeface="Symbol" panose="05050102010706020507" pitchFamily="18" charset="2"/>
+              </a:rPr>
+              <a:t>in P</a:t>
+            </a:r>
+          </a:p>
+          <a:p>
+            <a:pPr lvl="1"/>
+            <a:r>
+              <a:rPr lang="en-US" dirty="0" smtClean="0"/>
+              <a:t>after hiding e, no input or output event x has e in A(x).</a:t>
+            </a:r>
+            <a:endParaRPr lang="en-US" dirty="0"/>
+          </a:p>
+          <a:p>
+            <a:endParaRPr lang="en-US" dirty="0"/>
+          </a:p>
+          <a:p>
+            <a:r>
+              <a:rPr lang="en-US" dirty="0"/>
+              <a:t>Permission to </a:t>
+            </a:r>
+            <a:r>
+              <a:rPr lang="en-US" dirty="0" smtClean="0"/>
+              <a:t>send a </a:t>
+            </a:r>
+            <a:r>
+              <a:rPr lang="en-US" dirty="0"/>
+              <a:t>private event will not cross module boundary</a:t>
+            </a:r>
           </a:p>
         </p:txBody>
       </p:sp>
       <p:sp>
         <p:nvSpPr>
-          <p:cNvPr id="5" name="Footer Placeholder 4"/>
+          <p:cNvPr id="4" name="Footer Placeholder 3"/>
           <p:cNvSpPr>
             <a:spLocks noGrp="1"/>
           </p:cNvSpPr>
@@ -22789,60 +24174,17 @@
           <a:bodyPr/>
           <a:lstStyle/>
           <a:p>
-            <a:pPr marL="0" marR="0" lvl="0" indent="0" algn="ctr" defTabSz="914400" rtl="0" eaLnBrk="1" fontAlgn="auto" latinLnBrk="0" hangingPunct="1">
-              <a:lnSpc>
-                <a:spcPct val="100000"/>
-              </a:lnSpc>
-              <a:spcBef>
-                <a:spcPts val="0"/>
-              </a:spcBef>
-              <a:spcAft>
-                <a:spcPts val="0"/>
-              </a:spcAft>
-              <a:buClrTx/>
-              <a:buSzTx/>
-              <a:buFontTx/>
-              <a:buNone/>
-              <a:tabLst/>
-              <a:defRPr/>
-            </a:pPr>
-            <a:r>
-              <a:rPr kumimoji="0" lang="en-US" sz="900" b="0" i="0" u="none" strike="noStrike" kern="1200" cap="all" spc="0" normalizeH="0" baseline="0" noProof="0" smtClean="0">
-                <a:ln>
-                  <a:noFill/>
-                </a:ln>
-                <a:solidFill>
-                  <a:srgbClr val="000000"/>
-                </a:solidFill>
-                <a:effectLst/>
-                <a:uLnTx/>
-                <a:uFillTx/>
-                <a:latin typeface="Cambria" panose="02040503050406030204"/>
-                <a:ea typeface="+mn-ea"/>
-                <a:cs typeface="+mn-cs"/>
-              </a:rPr>
-              <a:t>Compositional Safety Testing</a:t>
-            </a:r>
-            <a:endParaRPr kumimoji="0" lang="en-US" sz="900" b="0" i="0" u="none" strike="noStrike" kern="1200" cap="all" spc="0" normalizeH="0" baseline="0" noProof="0" dirty="0">
-              <a:ln>
-                <a:noFill/>
-              </a:ln>
-              <a:solidFill>
-                <a:srgbClr val="000000"/>
-              </a:solidFill>
-              <a:effectLst/>
-              <a:uLnTx/>
-              <a:uFillTx/>
-              <a:latin typeface="Cambria" panose="02040503050406030204"/>
-              <a:ea typeface="+mn-ea"/>
-              <a:cs typeface="+mn-cs"/>
-            </a:endParaRPr>
+            <a:r>
+              <a:rPr lang="en-US" smtClean="0"/>
+              <a:t>SafeAsync: Compositional Safety Testing</a:t>
+            </a:r>
+            <a:endParaRPr lang="en-US" dirty="0"/>
           </a:p>
         </p:txBody>
       </p:sp>
       <p:sp>
         <p:nvSpPr>
-          <p:cNvPr id="6" name="Slide Number Placeholder 5"/>
+          <p:cNvPr id="5" name="Slide Number Placeholder 4"/>
           <p:cNvSpPr>
             <a:spLocks noGrp="1"/>
           </p:cNvSpPr>
@@ -22855,77 +24197,18 @@
           <a:bodyPr/>
           <a:lstStyle/>
           <a:p>
-            <a:pPr marL="0" marR="0" lvl="0" indent="0" algn="r" defTabSz="914400" rtl="0" eaLnBrk="1" fontAlgn="auto" latinLnBrk="0" hangingPunct="1">
-              <a:lnSpc>
-                <a:spcPct val="100000"/>
-              </a:lnSpc>
-              <a:spcBef>
-                <a:spcPts val="0"/>
-              </a:spcBef>
-              <a:spcAft>
-                <a:spcPts val="0"/>
-              </a:spcAft>
-              <a:buClrTx/>
-              <a:buSzTx/>
-              <a:buFontTx/>
-              <a:buNone/>
-              <a:tabLst/>
-              <a:defRPr/>
-            </a:pPr>
             <a:fld id="{77CC721F-1D71-470D-9ADD-E53F1C9EB23A}" type="slidenum">
-              <a:rPr kumimoji="0" lang="en-US" sz="1050" b="0" i="0" u="none" strike="noStrike" kern="1200" cap="none" spc="0" normalizeH="0" baseline="0" noProof="0" smtClean="0">
-                <a:ln>
-                  <a:noFill/>
-                </a:ln>
-                <a:solidFill>
-                  <a:srgbClr val="000000"/>
-                </a:solidFill>
-                <a:effectLst/>
-                <a:uLnTx/>
-                <a:uFillTx/>
-                <a:latin typeface="Cambria" panose="02040503050406030204"/>
-                <a:ea typeface="+mn-ea"/>
-                <a:cs typeface="+mn-cs"/>
-              </a:rPr>
-              <a:pPr marL="0" marR="0" lvl="0" indent="0" algn="r" defTabSz="914400" rtl="0" eaLnBrk="1" fontAlgn="auto" latinLnBrk="0" hangingPunct="1">
-                <a:lnSpc>
-                  <a:spcPct val="100000"/>
-                </a:lnSpc>
-                <a:spcBef>
-                  <a:spcPts val="0"/>
-                </a:spcBef>
-                <a:spcAft>
-                  <a:spcPts val="0"/>
-                </a:spcAft>
-                <a:buClrTx/>
-                <a:buSzTx/>
-                <a:buFontTx/>
-                <a:buNone/>
-                <a:tabLst/>
-                <a:defRPr/>
-              </a:pPr>
-              <a:t>2</a:t>
+              <a:rPr lang="en-US" smtClean="0"/>
+              <a:pPr/>
+              <a:t>22</a:t>
             </a:fld>
-            <a:endParaRPr kumimoji="0" lang="en-US" sz="1050" b="0" i="0" u="none" strike="noStrike" kern="1200" cap="none" spc="0" normalizeH="0" baseline="0" noProof="0" dirty="0">
-              <a:ln>
-                <a:noFill/>
-              </a:ln>
-              <a:solidFill>
-                <a:srgbClr val="000000"/>
-              </a:solidFill>
-              <a:effectLst/>
-              <a:uLnTx/>
-              <a:uFillTx/>
-              <a:latin typeface="Cambria" panose="02040503050406030204"/>
-              <a:ea typeface="+mn-ea"/>
-              <a:cs typeface="+mn-cs"/>
-            </a:endParaRPr>
+            <a:endParaRPr lang="en-US" dirty="0"/>
           </a:p>
         </p:txBody>
       </p:sp>
       <p:sp>
         <p:nvSpPr>
-          <p:cNvPr id="4" name="Date Placeholder 3"/>
+          <p:cNvPr id="6" name="Date Placeholder 5"/>
           <p:cNvSpPr>
             <a:spLocks noGrp="1"/>
           </p:cNvSpPr>
@@ -22938,61 +24221,18 @@
           <a:bodyPr/>
           <a:lstStyle/>
           <a:p>
-            <a:pPr marL="0" marR="0" lvl="0" indent="0" algn="l" defTabSz="914400" rtl="0" eaLnBrk="1" fontAlgn="auto" latinLnBrk="0" hangingPunct="1">
-              <a:lnSpc>
-                <a:spcPct val="100000"/>
-              </a:lnSpc>
-              <a:spcBef>
-                <a:spcPts val="0"/>
-              </a:spcBef>
-              <a:spcAft>
-                <a:spcPts val="0"/>
-              </a:spcAft>
-              <a:buClrTx/>
-              <a:buSzTx/>
-              <a:buFontTx/>
-              <a:buNone/>
-              <a:tabLst/>
-              <a:defRPr/>
-            </a:pPr>
-            <a:r>
-              <a:rPr kumimoji="0" lang="en-US" sz="900" b="0" i="0" u="none" strike="noStrike" kern="1200" cap="none" spc="0" normalizeH="0" baseline="0" noProof="0" smtClean="0">
-                <a:ln>
-                  <a:noFill/>
-                </a:ln>
-                <a:solidFill>
-                  <a:srgbClr val="000000"/>
-                </a:solidFill>
-                <a:effectLst/>
-                <a:uLnTx/>
-                <a:uFillTx/>
-                <a:latin typeface="Cambria" panose="02040503050406030204"/>
-                <a:ea typeface="+mn-ea"/>
-                <a:cs typeface="+mn-cs"/>
-              </a:rPr>
+            <a:r>
+              <a:rPr lang="en-US" smtClean="0"/>
               <a:t>PLDI 2019</a:t>
             </a:r>
-            <a:endParaRPr kumimoji="0" lang="en-US" sz="900" b="0" i="0" u="none" strike="noStrike" kern="1200" cap="none" spc="0" normalizeH="0" baseline="0" noProof="0" dirty="0">
-              <a:ln>
-                <a:noFill/>
-              </a:ln>
-              <a:solidFill>
-                <a:srgbClr val="000000"/>
-              </a:solidFill>
-              <a:effectLst/>
-              <a:uLnTx/>
-              <a:uFillTx/>
-              <a:latin typeface="Cambria" panose="02040503050406030204"/>
-              <a:ea typeface="+mn-ea"/>
-              <a:cs typeface="+mn-cs"/>
-            </a:endParaRPr>
+            <a:endParaRPr lang="en-US" dirty="0"/>
           </a:p>
         </p:txBody>
       </p:sp>
     </p:spTree>
     <p:extLst>
       <p:ext uri="{BB962C8B-B14F-4D97-AF65-F5344CB8AC3E}">
-        <p14:creationId xmlns:p14="http://schemas.microsoft.com/office/powerpoint/2010/main" val="246491429"/>
+        <p14:creationId xmlns:p14="http://schemas.microsoft.com/office/powerpoint/2010/main" val="2237773173"/>
       </p:ext>
     </p:extLst>
   </p:cSld>
@@ -23002,14 +24242,166 @@
   <p:timing>
     <p:tnLst>
       <p:par>
-        <p:cTn id="1" dur="indefinite" restart="never" nodeType="tmRoot"/>
+        <p:cTn id="1" dur="indefinite" restart="never" nodeType="tmRoot">
+          <p:childTnLst>
+            <p:seq concurrent="1" nextAc="seek">
+              <p:cTn id="2" dur="indefinite" nodeType="mainSeq">
+                <p:childTnLst>
+                  <p:par>
+                    <p:cTn id="3" fill="hold">
+                      <p:stCondLst>
+                        <p:cond delay="indefinite"/>
+                      </p:stCondLst>
+                      <p:childTnLst>
+                        <p:par>
+                          <p:cTn id="4" fill="hold">
+                            <p:stCondLst>
+                              <p:cond delay="0"/>
+                            </p:stCondLst>
+                            <p:childTnLst>
+                              <p:par>
+                                <p:cTn id="5" presetID="1" presetClass="entr" presetSubtype="0" fill="hold" nodeType="clickEffect">
+                                  <p:stCondLst>
+                                    <p:cond delay="0"/>
+                                  </p:stCondLst>
+                                  <p:childTnLst>
+                                    <p:set>
+                                      <p:cBhvr>
+                                        <p:cTn id="6" dur="1" fill="hold">
+                                          <p:stCondLst>
+                                            <p:cond delay="0"/>
+                                          </p:stCondLst>
+                                        </p:cTn>
+                                        <p:tgtEl>
+                                          <p:spTgt spid="3">
+                                            <p:txEl>
+                                              <p:pRg st="4" end="4"/>
+                                            </p:txEl>
+                                          </p:spTgt>
+                                        </p:tgtEl>
+                                        <p:attrNameLst>
+                                          <p:attrName>style.visibility</p:attrName>
+                                        </p:attrNameLst>
+                                      </p:cBhvr>
+                                      <p:to>
+                                        <p:strVal val="visible"/>
+                                      </p:to>
+                                    </p:set>
+                                  </p:childTnLst>
+                                </p:cTn>
+                              </p:par>
+                              <p:par>
+                                <p:cTn id="7" presetID="1" presetClass="entr" presetSubtype="0" fill="hold" nodeType="withEffect">
+                                  <p:stCondLst>
+                                    <p:cond delay="0"/>
+                                  </p:stCondLst>
+                                  <p:childTnLst>
+                                    <p:set>
+                                      <p:cBhvr>
+                                        <p:cTn id="8" dur="1" fill="hold">
+                                          <p:stCondLst>
+                                            <p:cond delay="0"/>
+                                          </p:stCondLst>
+                                        </p:cTn>
+                                        <p:tgtEl>
+                                          <p:spTgt spid="3">
+                                            <p:txEl>
+                                              <p:pRg st="5" end="5"/>
+                                            </p:txEl>
+                                          </p:spTgt>
+                                        </p:tgtEl>
+                                        <p:attrNameLst>
+                                          <p:attrName>style.visibility</p:attrName>
+                                        </p:attrNameLst>
+                                      </p:cBhvr>
+                                      <p:to>
+                                        <p:strVal val="visible"/>
+                                      </p:to>
+                                    </p:set>
+                                  </p:childTnLst>
+                                </p:cTn>
+                              </p:par>
+                            </p:childTnLst>
+                          </p:cTn>
+                        </p:par>
+                      </p:childTnLst>
+                    </p:cTn>
+                  </p:par>
+                  <p:par>
+                    <p:cTn id="9" fill="hold">
+                      <p:stCondLst>
+                        <p:cond delay="indefinite"/>
+                      </p:stCondLst>
+                      <p:childTnLst>
+                        <p:par>
+                          <p:cTn id="10" fill="hold">
+                            <p:stCondLst>
+                              <p:cond delay="0"/>
+                            </p:stCondLst>
+                            <p:childTnLst>
+                              <p:par>
+                                <p:cTn id="11" presetID="1" presetClass="entr" presetSubtype="0" fill="hold" nodeType="clickEffect">
+                                  <p:stCondLst>
+                                    <p:cond delay="0"/>
+                                  </p:stCondLst>
+                                  <p:childTnLst>
+                                    <p:set>
+                                      <p:cBhvr>
+                                        <p:cTn id="12" dur="1" fill="hold">
+                                          <p:stCondLst>
+                                            <p:cond delay="0"/>
+                                          </p:stCondLst>
+                                        </p:cTn>
+                                        <p:tgtEl>
+                                          <p:spTgt spid="3">
+                                            <p:txEl>
+                                              <p:pRg st="7" end="7"/>
+                                            </p:txEl>
+                                          </p:spTgt>
+                                        </p:tgtEl>
+                                        <p:attrNameLst>
+                                          <p:attrName>style.visibility</p:attrName>
+                                        </p:attrNameLst>
+                                      </p:cBhvr>
+                                      <p:to>
+                                        <p:strVal val="visible"/>
+                                      </p:to>
+                                    </p:set>
+                                  </p:childTnLst>
+                                </p:cTn>
+                              </p:par>
+                            </p:childTnLst>
+                          </p:cTn>
+                        </p:par>
+                      </p:childTnLst>
+                    </p:cTn>
+                  </p:par>
+                </p:childTnLst>
+              </p:cTn>
+              <p:prevCondLst>
+                <p:cond evt="onPrev" delay="0">
+                  <p:tgtEl>
+                    <p:sldTgt/>
+                  </p:tgtEl>
+                </p:cond>
+              </p:prevCondLst>
+              <p:nextCondLst>
+                <p:cond evt="onNext" delay="0">
+                  <p:tgtEl>
+                    <p:sldTgt/>
+                  </p:tgtEl>
+                </p:cond>
+              </p:nextCondLst>
+            </p:seq>
+          </p:childTnLst>
+        </p:cTn>
       </p:par>
     </p:tnLst>
   </p:timing>
 </p:sld>
 </file>
 
-<file path=ppt/slides/slide20.xml><?xml version="1.0" encoding="utf-8"?>
+<file path=ppt/slides/slide23.xml><?xml version="1.0" encoding="utf-8"?>
 <p:sld xmlns:a="http://schemas.openxmlformats.org/drawingml/2006/main" xmlns:r="http://schemas.openxmlformats.org/officeDocument/2006/relationships" xmlns:p="http://schemas.openxmlformats.org/presentationml/2006/main">
   <p:cSld>
     <p:spTree>
@@ -23109,7 +24501,7 @@
                 <a:ea typeface="+mn-ea"/>
                 <a:cs typeface="+mn-cs"/>
               </a:rPr>
-              <a:t>Compositional Safety Testing</a:t>
+              <a:t>SafeAsync: Compositional Safety Testing</a:t>
             </a:r>
             <a:endParaRPr kumimoji="0" lang="en-US" sz="900" b="0" i="0" u="none" strike="noStrike" kern="1200" cap="all" spc="0" normalizeH="0" baseline="0" noProof="0" dirty="0">
               <a:ln>
@@ -23198,7 +24590,7 @@
                 <a:tabLst/>
                 <a:defRPr/>
               </a:pPr>
-              <a:t>20</a:t>
+              <a:t>23</a:t>
             </a:fld>
             <a:endParaRPr kumimoji="0" lang="en-US" sz="1050" b="0" i="0" u="none" strike="noStrike" kern="1200" cap="none" spc="0" normalizeH="0" baseline="0" noProof="0" dirty="0">
               <a:ln>
@@ -24949,7 +26341,240 @@
 </p:sld>
 </file>
 
-<file path=ppt/slides/slide21.xml><?xml version="1.0" encoding="utf-8"?>
+<file path=ppt/slides/slide24.xml><?xml version="1.0" encoding="utf-8"?>
+<p:sld xmlns:a="http://schemas.openxmlformats.org/drawingml/2006/main" xmlns:r="http://schemas.openxmlformats.org/officeDocument/2006/relationships" xmlns:p="http://schemas.openxmlformats.org/presentationml/2006/main">
+  <p:cSld>
+    <p:spTree>
+      <p:nvGrpSpPr>
+        <p:cNvPr id="1" name=""/>
+        <p:cNvGrpSpPr/>
+        <p:nvPr/>
+      </p:nvGrpSpPr>
+      <p:grpSpPr>
+        <a:xfrm>
+          <a:off x="0" y="0"/>
+          <a:ext cx="0" cy="0"/>
+          <a:chOff x="0" y="0"/>
+          <a:chExt cx="0" cy="0"/>
+        </a:xfrm>
+      </p:grpSpPr>
+      <p:sp>
+        <p:nvSpPr>
+          <p:cNvPr id="2" name="Title 1">
+            <a:extLst>
+              <a:ext uri="{FF2B5EF4-FFF2-40B4-BE49-F238E27FC236}">
+                <a16:creationId xmlns:a16="http://schemas.microsoft.com/office/drawing/2014/main" id="{116C333C-07DA-44FE-8A88-0FD7222B4079}"/>
+              </a:ext>
+            </a:extLst>
+          </p:cNvPr>
+          <p:cNvSpPr>
+            <a:spLocks noGrp="1"/>
+          </p:cNvSpPr>
+          <p:nvPr>
+            <p:ph type="title"/>
+          </p:nvPr>
+        </p:nvSpPr>
+        <p:spPr/>
+        <p:txBody>
+          <a:bodyPr>
+            <a:noAutofit/>
+          </a:bodyPr>
+          <a:lstStyle/>
+          <a:p>
+            <a:r>
+              <a:rPr lang="en-US" sz="3600" dirty="0" smtClean="0"/>
+              <a:t>Discharging Test Obligations</a:t>
+            </a:r>
+            <a:endParaRPr lang="en-US" sz="3600" dirty="0"/>
+          </a:p>
+        </p:txBody>
+      </p:sp>
+      <p:sp>
+        <p:nvSpPr>
+          <p:cNvPr id="3" name="Content Placeholder 2">
+            <a:extLst>
+              <a:ext uri="{FF2B5EF4-FFF2-40B4-BE49-F238E27FC236}">
+                <a16:creationId xmlns:a16="http://schemas.microsoft.com/office/drawing/2014/main" id="{D905F3BE-DA87-444B-A916-461CE20308F8}"/>
+              </a:ext>
+            </a:extLst>
+          </p:cNvPr>
+          <p:cNvSpPr>
+            <a:spLocks noGrp="1"/>
+          </p:cNvSpPr>
+          <p:nvPr>
+            <p:ph idx="1"/>
+          </p:nvPr>
+        </p:nvSpPr>
+        <p:spPr/>
+        <p:txBody>
+          <a:bodyPr>
+            <a:normAutofit/>
+          </a:bodyPr>
+          <a:lstStyle/>
+          <a:p>
+            <a:r>
+              <a:rPr lang="en-US" sz="2400" dirty="0"/>
+              <a:t>For safety tests, programmer provides a “test harness” module to “close” the module</a:t>
+            </a:r>
+          </a:p>
+          <a:p>
+            <a:pPr lvl="1"/>
+            <a:r>
+              <a:rPr lang="en-US" sz="2000" dirty="0"/>
+              <a:t>systematic testing </a:t>
+            </a:r>
+            <a:r>
+              <a:rPr lang="en-US" sz="2000" smtClean="0"/>
+              <a:t>backend explores </a:t>
+            </a:r>
+            <a:r>
+              <a:rPr lang="en-US" sz="2000" dirty="0"/>
+              <a:t>the closed module</a:t>
+            </a:r>
+          </a:p>
+          <a:p>
+            <a:endParaRPr lang="en-US" sz="2400" dirty="0"/>
+          </a:p>
+          <a:p>
+            <a:endParaRPr lang="en-US" sz="2400" dirty="0"/>
+          </a:p>
+          <a:p>
+            <a:r>
+              <a:rPr lang="en-US" sz="2400" dirty="0"/>
+              <a:t>For refinement tests, test harness is provided for both left (L) and right (R) modules</a:t>
+            </a:r>
+          </a:p>
+          <a:p>
+            <a:pPr lvl="1"/>
+            <a:r>
+              <a:rPr lang="en-US" sz="2000" dirty="0"/>
+              <a:t>generate executions of R and store them in a cache</a:t>
+            </a:r>
+          </a:p>
+          <a:p>
+            <a:pPr lvl="1"/>
+            <a:r>
+              <a:rPr lang="en-US" sz="2000" dirty="0"/>
+              <a:t>generate executions of L </a:t>
+            </a:r>
+          </a:p>
+          <a:p>
+            <a:pPr lvl="2"/>
+            <a:r>
+              <a:rPr lang="en-US" sz="1600" dirty="0"/>
+              <a:t>for each execution, attempt to match with some trace in </a:t>
+            </a:r>
+            <a:r>
+              <a:rPr lang="en-US" sz="1600" dirty="0" smtClean="0"/>
+              <a:t>cache</a:t>
+            </a:r>
+            <a:endParaRPr lang="en-US" sz="1600" dirty="0"/>
+          </a:p>
+        </p:txBody>
+      </p:sp>
+      <p:sp>
+        <p:nvSpPr>
+          <p:cNvPr id="5" name="Footer Placeholder 4">
+            <a:extLst>
+              <a:ext uri="{FF2B5EF4-FFF2-40B4-BE49-F238E27FC236}">
+                <a16:creationId xmlns:a16="http://schemas.microsoft.com/office/drawing/2014/main" id="{DF100CCB-5939-493A-891E-67797CCB695B}"/>
+              </a:ext>
+            </a:extLst>
+          </p:cNvPr>
+          <p:cNvSpPr>
+            <a:spLocks noGrp="1"/>
+          </p:cNvSpPr>
+          <p:nvPr>
+            <p:ph type="ftr" sz="quarter" idx="11"/>
+          </p:nvPr>
+        </p:nvSpPr>
+        <p:spPr/>
+        <p:txBody>
+          <a:bodyPr/>
+          <a:lstStyle/>
+          <a:p>
+            <a:r>
+              <a:rPr lang="en-US" smtClean="0"/>
+              <a:t>SafeAsync: Compositional Safety Testing</a:t>
+            </a:r>
+            <a:endParaRPr lang="en-US" dirty="0"/>
+          </a:p>
+        </p:txBody>
+      </p:sp>
+      <p:sp>
+        <p:nvSpPr>
+          <p:cNvPr id="6" name="Slide Number Placeholder 5">
+            <a:extLst>
+              <a:ext uri="{FF2B5EF4-FFF2-40B4-BE49-F238E27FC236}">
+                <a16:creationId xmlns:a16="http://schemas.microsoft.com/office/drawing/2014/main" id="{30DCE139-B074-437A-B68C-2F5B488D00CD}"/>
+              </a:ext>
+            </a:extLst>
+          </p:cNvPr>
+          <p:cNvSpPr>
+            <a:spLocks noGrp="1"/>
+          </p:cNvSpPr>
+          <p:nvPr>
+            <p:ph type="sldNum" sz="quarter" idx="12"/>
+          </p:nvPr>
+        </p:nvSpPr>
+        <p:spPr/>
+        <p:txBody>
+          <a:bodyPr/>
+          <a:lstStyle/>
+          <a:p>
+            <a:fld id="{77CC721F-1D71-470D-9ADD-E53F1C9EB23A}" type="slidenum">
+              <a:rPr lang="en-US" smtClean="0"/>
+              <a:pPr/>
+              <a:t>24</a:t>
+            </a:fld>
+            <a:endParaRPr lang="en-US" dirty="0"/>
+          </a:p>
+        </p:txBody>
+      </p:sp>
+      <p:sp>
+        <p:nvSpPr>
+          <p:cNvPr id="4" name="Date Placeholder 3"/>
+          <p:cNvSpPr>
+            <a:spLocks noGrp="1"/>
+          </p:cNvSpPr>
+          <p:nvPr>
+            <p:ph type="dt" sz="half" idx="10"/>
+          </p:nvPr>
+        </p:nvSpPr>
+        <p:spPr/>
+        <p:txBody>
+          <a:bodyPr/>
+          <a:lstStyle/>
+          <a:p>
+            <a:r>
+              <a:rPr lang="en-US" smtClean="0"/>
+              <a:t>PLDI 2019</a:t>
+            </a:r>
+            <a:endParaRPr lang="en-US" dirty="0"/>
+          </a:p>
+        </p:txBody>
+      </p:sp>
+    </p:spTree>
+    <p:extLst>
+      <p:ext uri="{BB962C8B-B14F-4D97-AF65-F5344CB8AC3E}">
+        <p14:creationId xmlns:p14="http://schemas.microsoft.com/office/powerpoint/2010/main" val="412042484"/>
+      </p:ext>
+    </p:extLst>
+  </p:cSld>
+  <p:clrMapOvr>
+    <a:masterClrMapping/>
+  </p:clrMapOvr>
+  <p:timing>
+    <p:tnLst>
+      <p:par>
+        <p:cTn id="1" dur="indefinite" restart="never" nodeType="tmRoot"/>
+      </p:par>
+    </p:tnLst>
+  </p:timing>
+</p:sld>
+</file>
+
+<file path=ppt/slides/slide25.xml><?xml version="1.0" encoding="utf-8"?>
 <p:sld xmlns:a="http://schemas.openxmlformats.org/drawingml/2006/main" xmlns:r="http://schemas.openxmlformats.org/officeDocument/2006/relationships" xmlns:p="http://schemas.openxmlformats.org/presentationml/2006/main">
   <p:cSld>
     <p:spTree>
@@ -25084,7 +26709,7 @@
                 <a:ea typeface="+mn-ea"/>
                 <a:cs typeface="+mn-cs"/>
               </a:rPr>
-              <a:t>Compositional Safety Testing</a:t>
+              <a:t>SafeAsync: Compositional Safety Testing</a:t>
             </a:r>
             <a:endParaRPr kumimoji="0" lang="en-US" sz="900" b="0" i="0" u="none" strike="noStrike" kern="1200" cap="all" spc="0" normalizeH="0" baseline="0" noProof="0" dirty="0">
               <a:ln>
@@ -25173,7 +26798,7 @@
                 <a:tabLst/>
                 <a:defRPr/>
               </a:pPr>
-              <a:t>21</a:t>
+              <a:t>25</a:t>
             </a:fld>
             <a:endParaRPr kumimoji="0" lang="en-US" sz="1050" b="0" i="0" u="none" strike="noStrike" kern="1200" cap="none" spc="0" normalizeH="0" baseline="0" noProof="0" dirty="0">
               <a:ln>
@@ -25442,6 +27067,957 @@
     <p:extLst>
       <p:ext uri="{BB962C8B-B14F-4D97-AF65-F5344CB8AC3E}">
         <p14:creationId xmlns:p14="http://schemas.microsoft.com/office/powerpoint/2010/main" val="432561333"/>
+      </p:ext>
+    </p:extLst>
+  </p:cSld>
+  <p:clrMapOvr>
+    <a:masterClrMapping/>
+  </p:clrMapOvr>
+  <p:timing>
+    <p:tnLst>
+      <p:par>
+        <p:cTn id="1" dur="indefinite" restart="never" nodeType="tmRoot"/>
+      </p:par>
+    </p:tnLst>
+  </p:timing>
+</p:sld>
+</file>
+
+<file path=ppt/slides/slide26.xml><?xml version="1.0" encoding="utf-8"?>
+<p:sld xmlns:a="http://schemas.openxmlformats.org/drawingml/2006/main" xmlns:r="http://schemas.openxmlformats.org/officeDocument/2006/relationships" xmlns:p="http://schemas.openxmlformats.org/presentationml/2006/main">
+  <p:cSld>
+    <p:spTree>
+      <p:nvGrpSpPr>
+        <p:cNvPr id="1" name=""/>
+        <p:cNvGrpSpPr/>
+        <p:nvPr/>
+      </p:nvGrpSpPr>
+      <p:grpSpPr>
+        <a:xfrm>
+          <a:off x="0" y="0"/>
+          <a:ext cx="0" cy="0"/>
+          <a:chOff x="0" y="0"/>
+          <a:chExt cx="0" cy="0"/>
+        </a:xfrm>
+      </p:grpSpPr>
+      <p:pic>
+        <p:nvPicPr>
+          <p:cNvPr id="1030" name="Picture 6" descr="Image result for smiley face success"/>
+          <p:cNvPicPr>
+            <a:picLocks noChangeAspect="1" noChangeArrowheads="1"/>
+          </p:cNvPicPr>
+          <p:nvPr/>
+        </p:nvPicPr>
+        <p:blipFill>
+          <a:blip r:embed="rId2">
+            <a:extLst>
+              <a:ext uri="{28A0092B-C50C-407E-A947-70E740481C1C}">
+                <a14:useLocalDpi xmlns:a14="http://schemas.microsoft.com/office/drawing/2010/main" val="0"/>
+              </a:ext>
+            </a:extLst>
+          </a:blip>
+          <a:srcRect/>
+          <a:stretch>
+            <a:fillRect/>
+          </a:stretch>
+        </p:blipFill>
+        <p:spPr bwMode="auto">
+          <a:xfrm>
+            <a:off x="387640" y="2876247"/>
+            <a:ext cx="1577395" cy="1326299"/>
+          </a:xfrm>
+          <a:prstGeom prst="rect">
+            <a:avLst/>
+          </a:prstGeom>
+          <a:noFill/>
+          <a:extLst>
+            <a:ext uri="{909E8E84-426E-40DD-AFC4-6F175D3DCCD1}">
+              <a14:hiddenFill xmlns:a14="http://schemas.microsoft.com/office/drawing/2010/main">
+                <a:solidFill>
+                  <a:srgbClr val="FFFFFF"/>
+                </a:solidFill>
+              </a14:hiddenFill>
+            </a:ext>
+          </a:extLst>
+        </p:spPr>
+      </p:pic>
+      <p:sp>
+        <p:nvSpPr>
+          <p:cNvPr id="7" name="Content Placeholder 2">
+            <a:extLst>
+              <a:ext uri="{FF2B5EF4-FFF2-40B4-BE49-F238E27FC236}">
+                <a16:creationId xmlns:a16="http://schemas.microsoft.com/office/drawing/2014/main" id="{5C3ED9C6-D41F-4559-8FCF-4762BC7A4BD2}"/>
+              </a:ext>
+            </a:extLst>
+          </p:cNvPr>
+          <p:cNvSpPr txBox="1">
+            <a:spLocks/>
+          </p:cNvSpPr>
+          <p:nvPr/>
+        </p:nvSpPr>
+        <p:spPr>
+          <a:xfrm>
+            <a:off x="865562" y="1421512"/>
+            <a:ext cx="7543801" cy="700533"/>
+          </a:xfrm>
+          <a:prstGeom prst="rect">
+            <a:avLst/>
+          </a:prstGeom>
+        </p:spPr>
+        <p:txBody>
+          <a:bodyPr vert="horz" lIns="0" tIns="45720" rIns="0" bIns="45720" rtlCol="0">
+            <a:normAutofit fontScale="92500" lnSpcReduction="10000"/>
+          </a:bodyPr>
+          <a:lstStyle>
+            <a:lvl1pPr marL="0" indent="0" algn="l" defTabSz="914400" rtl="0" eaLnBrk="1" latinLnBrk="0" hangingPunct="1">
+              <a:lnSpc>
+                <a:spcPct val="90000"/>
+              </a:lnSpc>
+              <a:spcBef>
+                <a:spcPts val="1200"/>
+              </a:spcBef>
+              <a:spcAft>
+                <a:spcPts val="200"/>
+              </a:spcAft>
+              <a:buClr>
+                <a:schemeClr val="accent1"/>
+              </a:buClr>
+              <a:buSzPct val="100000"/>
+              <a:buFont typeface="Arial" panose="020B0604020202020204" pitchFamily="34" charset="0"/>
+              <a:buNone/>
+              <a:defRPr sz="2400" kern="1200">
+                <a:solidFill>
+                  <a:schemeClr val="tx2">
+                    <a:lumMod val="75000"/>
+                  </a:schemeClr>
+                </a:solidFill>
+                <a:latin typeface="+mn-lt"/>
+                <a:ea typeface="+mn-ea"/>
+                <a:cs typeface="+mn-cs"/>
+              </a:defRPr>
+            </a:lvl1pPr>
+            <a:lvl2pPr marL="486918" indent="-285750" algn="l" defTabSz="914400" rtl="0" eaLnBrk="1" latinLnBrk="0" hangingPunct="1">
+              <a:lnSpc>
+                <a:spcPct val="90000"/>
+              </a:lnSpc>
+              <a:spcBef>
+                <a:spcPts val="200"/>
+              </a:spcBef>
+              <a:spcAft>
+                <a:spcPts val="400"/>
+              </a:spcAft>
+              <a:buClr>
+                <a:schemeClr val="accent1"/>
+              </a:buClr>
+              <a:buFont typeface="Arial" panose="020B0604020202020204" pitchFamily="34" charset="0"/>
+              <a:buChar char="•"/>
+              <a:defRPr lang="en-US" sz="2000" kern="1200">
+                <a:solidFill>
+                  <a:schemeClr val="accent4">
+                    <a:lumMod val="75000"/>
+                  </a:schemeClr>
+                </a:solidFill>
+                <a:latin typeface="+mn-lt"/>
+                <a:ea typeface="+mn-ea"/>
+                <a:cs typeface="+mn-cs"/>
+              </a:defRPr>
+            </a:lvl2pPr>
+            <a:lvl3pPr marL="669798" indent="-285750" algn="l" defTabSz="914400" rtl="0" eaLnBrk="1" latinLnBrk="0" hangingPunct="1">
+              <a:lnSpc>
+                <a:spcPct val="90000"/>
+              </a:lnSpc>
+              <a:spcBef>
+                <a:spcPts val="200"/>
+              </a:spcBef>
+              <a:spcAft>
+                <a:spcPts val="400"/>
+              </a:spcAft>
+              <a:buClr>
+                <a:schemeClr val="accent1"/>
+              </a:buClr>
+              <a:buFont typeface="Arial" panose="020B0604020202020204" pitchFamily="34" charset="0"/>
+              <a:buChar char="•"/>
+              <a:defRPr sz="1600" kern="1200">
+                <a:solidFill>
+                  <a:schemeClr val="tx1">
+                    <a:lumMod val="75000"/>
+                    <a:lumOff val="25000"/>
+                  </a:schemeClr>
+                </a:solidFill>
+                <a:latin typeface="+mn-lt"/>
+                <a:ea typeface="+mn-ea"/>
+                <a:cs typeface="+mn-cs"/>
+              </a:defRPr>
+            </a:lvl3pPr>
+            <a:lvl4pPr marL="852678" indent="-285750" algn="l" defTabSz="914400" rtl="0" eaLnBrk="1" latinLnBrk="0" hangingPunct="1">
+              <a:lnSpc>
+                <a:spcPct val="90000"/>
+              </a:lnSpc>
+              <a:spcBef>
+                <a:spcPts val="200"/>
+              </a:spcBef>
+              <a:spcAft>
+                <a:spcPts val="400"/>
+              </a:spcAft>
+              <a:buClr>
+                <a:schemeClr val="accent1"/>
+              </a:buClr>
+              <a:buFont typeface="Arial" panose="020B0604020202020204" pitchFamily="34" charset="0"/>
+              <a:buChar char="•"/>
+              <a:defRPr sz="1600" kern="1200">
+                <a:solidFill>
+                  <a:schemeClr val="tx1">
+                    <a:lumMod val="75000"/>
+                    <a:lumOff val="25000"/>
+                  </a:schemeClr>
+                </a:solidFill>
+                <a:latin typeface="+mn-lt"/>
+                <a:ea typeface="+mn-ea"/>
+                <a:cs typeface="+mn-cs"/>
+              </a:defRPr>
+            </a:lvl4pPr>
+            <a:lvl5pPr marL="1035558" indent="-285750" algn="l" defTabSz="914400" rtl="0" eaLnBrk="1" latinLnBrk="0" hangingPunct="1">
+              <a:lnSpc>
+                <a:spcPct val="90000"/>
+              </a:lnSpc>
+              <a:spcBef>
+                <a:spcPts val="200"/>
+              </a:spcBef>
+              <a:spcAft>
+                <a:spcPts val="400"/>
+              </a:spcAft>
+              <a:buClr>
+                <a:schemeClr val="accent1"/>
+              </a:buClr>
+              <a:buFont typeface="Arial" panose="020B0604020202020204" pitchFamily="34" charset="0"/>
+              <a:buChar char="•"/>
+              <a:defRPr sz="1400" kern="1200">
+                <a:solidFill>
+                  <a:schemeClr val="tx1">
+                    <a:lumMod val="75000"/>
+                    <a:lumOff val="25000"/>
+                  </a:schemeClr>
+                </a:solidFill>
+                <a:latin typeface="+mn-lt"/>
+                <a:ea typeface="+mn-ea"/>
+                <a:cs typeface="+mn-cs"/>
+              </a:defRPr>
+            </a:lvl5pPr>
+            <a:lvl6pPr marL="1100000" indent="-228600" algn="l" defTabSz="914400" rtl="0" eaLnBrk="1" latinLnBrk="0" hangingPunct="1">
+              <a:lnSpc>
+                <a:spcPct val="90000"/>
+              </a:lnSpc>
+              <a:spcBef>
+                <a:spcPts val="200"/>
+              </a:spcBef>
+              <a:spcAft>
+                <a:spcPts val="400"/>
+              </a:spcAft>
+              <a:buClr>
+                <a:schemeClr val="accent1"/>
+              </a:buClr>
+              <a:buFont typeface="Calibri" pitchFamily="34" charset="0"/>
+              <a:buChar char="◦"/>
+              <a:defRPr sz="1400" kern="1200">
+                <a:solidFill>
+                  <a:schemeClr val="tx1">
+                    <a:lumMod val="75000"/>
+                    <a:lumOff val="25000"/>
+                  </a:schemeClr>
+                </a:solidFill>
+                <a:latin typeface="+mn-lt"/>
+                <a:ea typeface="+mn-ea"/>
+                <a:cs typeface="+mn-cs"/>
+              </a:defRPr>
+            </a:lvl6pPr>
+            <a:lvl7pPr marL="1300000" indent="-228600" algn="l" defTabSz="914400" rtl="0" eaLnBrk="1" latinLnBrk="0" hangingPunct="1">
+              <a:lnSpc>
+                <a:spcPct val="90000"/>
+              </a:lnSpc>
+              <a:spcBef>
+                <a:spcPts val="200"/>
+              </a:spcBef>
+              <a:spcAft>
+                <a:spcPts val="400"/>
+              </a:spcAft>
+              <a:buClr>
+                <a:schemeClr val="accent1"/>
+              </a:buClr>
+              <a:buFont typeface="Calibri" pitchFamily="34" charset="0"/>
+              <a:buChar char="◦"/>
+              <a:defRPr sz="1400" kern="1200">
+                <a:solidFill>
+                  <a:schemeClr val="tx1">
+                    <a:lumMod val="75000"/>
+                    <a:lumOff val="25000"/>
+                  </a:schemeClr>
+                </a:solidFill>
+                <a:latin typeface="+mn-lt"/>
+                <a:ea typeface="+mn-ea"/>
+                <a:cs typeface="+mn-cs"/>
+              </a:defRPr>
+            </a:lvl7pPr>
+            <a:lvl8pPr marL="1500000" indent="-228600" algn="l" defTabSz="914400" rtl="0" eaLnBrk="1" latinLnBrk="0" hangingPunct="1">
+              <a:lnSpc>
+                <a:spcPct val="90000"/>
+              </a:lnSpc>
+              <a:spcBef>
+                <a:spcPts val="200"/>
+              </a:spcBef>
+              <a:spcAft>
+                <a:spcPts val="400"/>
+              </a:spcAft>
+              <a:buClr>
+                <a:schemeClr val="accent1"/>
+              </a:buClr>
+              <a:buFont typeface="Calibri" pitchFamily="34" charset="0"/>
+              <a:buChar char="◦"/>
+              <a:defRPr sz="1400" kern="1200">
+                <a:solidFill>
+                  <a:schemeClr val="tx1">
+                    <a:lumMod val="75000"/>
+                    <a:lumOff val="25000"/>
+                  </a:schemeClr>
+                </a:solidFill>
+                <a:latin typeface="+mn-lt"/>
+                <a:ea typeface="+mn-ea"/>
+                <a:cs typeface="+mn-cs"/>
+              </a:defRPr>
+            </a:lvl8pPr>
+            <a:lvl9pPr marL="1700000" indent="-228600" algn="l" defTabSz="914400" rtl="0" eaLnBrk="1" latinLnBrk="0" hangingPunct="1">
+              <a:lnSpc>
+                <a:spcPct val="90000"/>
+              </a:lnSpc>
+              <a:spcBef>
+                <a:spcPts val="200"/>
+              </a:spcBef>
+              <a:spcAft>
+                <a:spcPts val="400"/>
+              </a:spcAft>
+              <a:buClr>
+                <a:schemeClr val="accent1"/>
+              </a:buClr>
+              <a:buFont typeface="Calibri" pitchFamily="34" charset="0"/>
+              <a:buChar char="◦"/>
+              <a:defRPr sz="1400" kern="1200">
+                <a:solidFill>
+                  <a:schemeClr val="tx1">
+                    <a:lumMod val="75000"/>
+                    <a:lumOff val="25000"/>
+                  </a:schemeClr>
+                </a:solidFill>
+                <a:latin typeface="+mn-lt"/>
+                <a:ea typeface="+mn-ea"/>
+                <a:cs typeface="+mn-cs"/>
+              </a:defRPr>
+            </a:lvl9pPr>
+          </a:lstStyle>
+          <a:p>
+            <a:pPr marL="0" marR="0" lvl="0" indent="0" algn="l" defTabSz="914400" rtl="0" eaLnBrk="1" fontAlgn="auto" latinLnBrk="0" hangingPunct="1">
+              <a:lnSpc>
+                <a:spcPct val="90000"/>
+              </a:lnSpc>
+              <a:spcBef>
+                <a:spcPts val="1200"/>
+              </a:spcBef>
+              <a:spcAft>
+                <a:spcPts val="200"/>
+              </a:spcAft>
+              <a:buClr>
+                <a:srgbClr val="1F394D"/>
+              </a:buClr>
+              <a:buSzPct val="100000"/>
+              <a:buFont typeface="Arial" panose="020B0604020202020204" pitchFamily="34" charset="0"/>
+              <a:buNone/>
+              <a:tabLst/>
+              <a:defRPr/>
+            </a:pPr>
+            <a:r>
+              <a:rPr kumimoji="0" lang="en-US" sz="2400" b="0" i="0" u="none" strike="noStrike" kern="1200" cap="none" spc="0" normalizeH="0" baseline="0" noProof="0" dirty="0" smtClean="0">
+                <a:ln>
+                  <a:noFill/>
+                </a:ln>
+                <a:solidFill>
+                  <a:srgbClr val="3F739B">
+                    <a:lumMod val="75000"/>
+                  </a:srgbClr>
+                </a:solidFill>
+                <a:effectLst/>
+                <a:uLnTx/>
+                <a:uFillTx/>
+                <a:latin typeface="Cambria" panose="02040503050406030204"/>
+                <a:ea typeface="+mn-ea"/>
+                <a:cs typeface="+mn-cs"/>
+              </a:rPr>
+              <a:t>Building </a:t>
+            </a:r>
+            <a:r>
+              <a:rPr kumimoji="0" lang="en-US" sz="2400" b="0" i="0" u="none" strike="noStrike" kern="1200" cap="none" spc="0" normalizeH="0" baseline="0" noProof="0" dirty="0">
+                <a:ln>
+                  <a:noFill/>
+                </a:ln>
+                <a:solidFill>
+                  <a:srgbClr val="3F739B">
+                    <a:lumMod val="75000"/>
+                  </a:srgbClr>
+                </a:solidFill>
+                <a:effectLst/>
+                <a:uLnTx/>
+                <a:uFillTx/>
+                <a:latin typeface="Cambria" panose="02040503050406030204"/>
+                <a:ea typeface="+mn-ea"/>
+                <a:cs typeface="+mn-cs"/>
+              </a:rPr>
+              <a:t>reliable </a:t>
+            </a:r>
+            <a:r>
+              <a:rPr kumimoji="0" lang="en-US" sz="2400" b="0" i="0" u="none" strike="noStrike" kern="1200" cap="none" spc="0" normalizeH="0" baseline="0" noProof="0" dirty="0" smtClean="0">
+                <a:ln>
+                  <a:noFill/>
+                </a:ln>
+                <a:solidFill>
+                  <a:srgbClr val="3F739B">
+                    <a:lumMod val="75000"/>
+                  </a:srgbClr>
+                </a:solidFill>
+                <a:effectLst/>
+                <a:uLnTx/>
+                <a:uFillTx/>
+                <a:latin typeface="Cambria" panose="02040503050406030204"/>
+                <a:ea typeface="+mn-ea"/>
+                <a:cs typeface="+mn-cs"/>
+              </a:rPr>
+              <a:t>systems </a:t>
+            </a:r>
+            <a:r>
+              <a:rPr kumimoji="0" lang="en-US" sz="2400" b="0" i="0" u="none" strike="noStrike" kern="1200" cap="none" spc="0" normalizeH="0" baseline="0" noProof="0" dirty="0">
+                <a:ln>
+                  <a:noFill/>
+                </a:ln>
+                <a:solidFill>
+                  <a:srgbClr val="3F739B">
+                    <a:lumMod val="75000"/>
+                  </a:srgbClr>
+                </a:solidFill>
+                <a:effectLst/>
+                <a:uLnTx/>
+                <a:uFillTx/>
+                <a:latin typeface="Cambria" panose="02040503050406030204"/>
+                <a:ea typeface="+mn-ea"/>
+                <a:cs typeface="+mn-cs"/>
+              </a:rPr>
+              <a:t>is difficult and </a:t>
+            </a:r>
+            <a:r>
+              <a:rPr kumimoji="0" lang="en-US" sz="2400" b="0" i="0" u="none" strike="noStrike" kern="1200" cap="none" spc="0" normalizeH="0" baseline="0" noProof="0" dirty="0" smtClean="0">
+                <a:ln>
+                  <a:noFill/>
+                </a:ln>
+                <a:solidFill>
+                  <a:srgbClr val="3F739B">
+                    <a:lumMod val="75000"/>
+                  </a:srgbClr>
+                </a:solidFill>
+                <a:effectLst/>
+                <a:uLnTx/>
+                <a:uFillTx/>
+                <a:latin typeface="Cambria" panose="02040503050406030204"/>
+                <a:ea typeface="+mn-ea"/>
+                <a:cs typeface="+mn-cs"/>
+              </a:rPr>
+              <a:t>unpleasant for programmers.</a:t>
+            </a:r>
+          </a:p>
+          <a:p>
+            <a:pPr marL="0" marR="0" lvl="0" indent="0" algn="l" defTabSz="914400" rtl="0" eaLnBrk="1" fontAlgn="auto" latinLnBrk="0" hangingPunct="1">
+              <a:lnSpc>
+                <a:spcPct val="90000"/>
+              </a:lnSpc>
+              <a:spcBef>
+                <a:spcPts val="1200"/>
+              </a:spcBef>
+              <a:spcAft>
+                <a:spcPts val="200"/>
+              </a:spcAft>
+              <a:buClr>
+                <a:srgbClr val="1F394D"/>
+              </a:buClr>
+              <a:buSzPct val="100000"/>
+              <a:buFont typeface="Arial" panose="020B0604020202020204" pitchFamily="34" charset="0"/>
+              <a:buNone/>
+              <a:tabLst/>
+              <a:defRPr/>
+            </a:pPr>
+            <a:endParaRPr kumimoji="0" lang="en-US" sz="2400" b="0" i="0" u="none" strike="noStrike" kern="1200" cap="none" spc="0" normalizeH="0" baseline="0" noProof="0" dirty="0">
+              <a:ln>
+                <a:noFill/>
+              </a:ln>
+              <a:solidFill>
+                <a:srgbClr val="3F739B">
+                  <a:lumMod val="75000"/>
+                </a:srgbClr>
+              </a:solidFill>
+              <a:effectLst/>
+              <a:uLnTx/>
+              <a:uFillTx/>
+              <a:latin typeface="Cambria" panose="02040503050406030204"/>
+              <a:ea typeface="+mn-ea"/>
+              <a:cs typeface="+mn-cs"/>
+            </a:endParaRPr>
+          </a:p>
+        </p:txBody>
+      </p:sp>
+      <p:sp>
+        <p:nvSpPr>
+          <p:cNvPr id="2" name="Title 1">
+            <a:extLst>
+              <a:ext uri="{FF2B5EF4-FFF2-40B4-BE49-F238E27FC236}">
+                <a16:creationId xmlns:a16="http://schemas.microsoft.com/office/drawing/2014/main" id="{F06847AC-BF83-420E-ABD6-86ED26CAAF03}"/>
+              </a:ext>
+            </a:extLst>
+          </p:cNvPr>
+          <p:cNvSpPr>
+            <a:spLocks noGrp="1"/>
+          </p:cNvSpPr>
+          <p:nvPr>
+            <p:ph type="title"/>
+          </p:nvPr>
+        </p:nvSpPr>
+        <p:spPr/>
+        <p:txBody>
+          <a:bodyPr/>
+          <a:lstStyle/>
+          <a:p>
+            <a:r>
+              <a:rPr lang="en-US" dirty="0" smtClean="0"/>
+              <a:t>Conclusion!</a:t>
+            </a:r>
+            <a:endParaRPr lang="en-US" dirty="0"/>
+          </a:p>
+        </p:txBody>
+      </p:sp>
+      <p:sp>
+        <p:nvSpPr>
+          <p:cNvPr id="5" name="Footer Placeholder 4">
+            <a:extLst>
+              <a:ext uri="{FF2B5EF4-FFF2-40B4-BE49-F238E27FC236}">
+                <a16:creationId xmlns:a16="http://schemas.microsoft.com/office/drawing/2014/main" id="{2B996E8E-FD91-47EB-A94A-7882B03381B3}"/>
+              </a:ext>
+            </a:extLst>
+          </p:cNvPr>
+          <p:cNvSpPr>
+            <a:spLocks noGrp="1"/>
+          </p:cNvSpPr>
+          <p:nvPr>
+            <p:ph type="ftr" sz="quarter" idx="11"/>
+          </p:nvPr>
+        </p:nvSpPr>
+        <p:spPr/>
+        <p:txBody>
+          <a:bodyPr/>
+          <a:lstStyle/>
+          <a:p>
+            <a:pPr marL="0" marR="0" lvl="0" indent="0" algn="ctr" defTabSz="914400" rtl="0" eaLnBrk="1" fontAlgn="auto" latinLnBrk="0" hangingPunct="1">
+              <a:lnSpc>
+                <a:spcPct val="100000"/>
+              </a:lnSpc>
+              <a:spcBef>
+                <a:spcPts val="0"/>
+              </a:spcBef>
+              <a:spcAft>
+                <a:spcPts val="0"/>
+              </a:spcAft>
+              <a:buClrTx/>
+              <a:buSzTx/>
+              <a:buFontTx/>
+              <a:buNone/>
+              <a:tabLst/>
+              <a:defRPr/>
+            </a:pPr>
+            <a:r>
+              <a:rPr kumimoji="0" lang="en-US" sz="900" b="0" i="0" u="none" strike="noStrike" kern="1200" cap="all" spc="0" normalizeH="0" baseline="0" noProof="0" smtClean="0">
+                <a:ln>
+                  <a:noFill/>
+                </a:ln>
+                <a:solidFill>
+                  <a:srgbClr val="000000"/>
+                </a:solidFill>
+                <a:effectLst/>
+                <a:uLnTx/>
+                <a:uFillTx/>
+                <a:latin typeface="Cambria" panose="02040503050406030204"/>
+                <a:ea typeface="+mn-ea"/>
+                <a:cs typeface="+mn-cs"/>
+              </a:rPr>
+              <a:t>SafeAsync: Compositional Safety Testing</a:t>
+            </a:r>
+            <a:endParaRPr kumimoji="0" lang="en-US" sz="900" b="0" i="0" u="none" strike="noStrike" kern="1200" cap="all" spc="0" normalizeH="0" baseline="0" noProof="0" dirty="0">
+              <a:ln>
+                <a:noFill/>
+              </a:ln>
+              <a:solidFill>
+                <a:srgbClr val="000000"/>
+              </a:solidFill>
+              <a:effectLst/>
+              <a:uLnTx/>
+              <a:uFillTx/>
+              <a:latin typeface="Cambria" panose="02040503050406030204"/>
+              <a:ea typeface="+mn-ea"/>
+              <a:cs typeface="+mn-cs"/>
+            </a:endParaRPr>
+          </a:p>
+        </p:txBody>
+      </p:sp>
+      <p:sp>
+        <p:nvSpPr>
+          <p:cNvPr id="6" name="Slide Number Placeholder 5">
+            <a:extLst>
+              <a:ext uri="{FF2B5EF4-FFF2-40B4-BE49-F238E27FC236}">
+                <a16:creationId xmlns:a16="http://schemas.microsoft.com/office/drawing/2014/main" id="{69C14AF9-74D4-498E-BE5F-865D4755A473}"/>
+              </a:ext>
+            </a:extLst>
+          </p:cNvPr>
+          <p:cNvSpPr>
+            <a:spLocks noGrp="1"/>
+          </p:cNvSpPr>
+          <p:nvPr>
+            <p:ph type="sldNum" sz="quarter" idx="12"/>
+          </p:nvPr>
+        </p:nvSpPr>
+        <p:spPr/>
+        <p:txBody>
+          <a:bodyPr/>
+          <a:lstStyle/>
+          <a:p>
+            <a:pPr marL="0" marR="0" lvl="0" indent="0" algn="r" defTabSz="914400" rtl="0" eaLnBrk="1" fontAlgn="auto" latinLnBrk="0" hangingPunct="1">
+              <a:lnSpc>
+                <a:spcPct val="100000"/>
+              </a:lnSpc>
+              <a:spcBef>
+                <a:spcPts val="0"/>
+              </a:spcBef>
+              <a:spcAft>
+                <a:spcPts val="0"/>
+              </a:spcAft>
+              <a:buClrTx/>
+              <a:buSzTx/>
+              <a:buFontTx/>
+              <a:buNone/>
+              <a:tabLst/>
+              <a:defRPr/>
+            </a:pPr>
+            <a:fld id="{77CC721F-1D71-470D-9ADD-E53F1C9EB23A}" type="slidenum">
+              <a:rPr kumimoji="0" lang="en-US" sz="1050" b="0" i="0" u="none" strike="noStrike" kern="1200" cap="none" spc="0" normalizeH="0" baseline="0" noProof="0" smtClean="0">
+                <a:ln>
+                  <a:noFill/>
+                </a:ln>
+                <a:solidFill>
+                  <a:srgbClr val="000000"/>
+                </a:solidFill>
+                <a:effectLst/>
+                <a:uLnTx/>
+                <a:uFillTx/>
+                <a:latin typeface="Cambria" panose="02040503050406030204"/>
+                <a:ea typeface="+mn-ea"/>
+                <a:cs typeface="+mn-cs"/>
+              </a:rPr>
+              <a:pPr marL="0" marR="0" lvl="0" indent="0" algn="r" defTabSz="914400" rtl="0" eaLnBrk="1" fontAlgn="auto" latinLnBrk="0" hangingPunct="1">
+                <a:lnSpc>
+                  <a:spcPct val="100000"/>
+                </a:lnSpc>
+                <a:spcBef>
+                  <a:spcPts val="0"/>
+                </a:spcBef>
+                <a:spcAft>
+                  <a:spcPts val="0"/>
+                </a:spcAft>
+                <a:buClrTx/>
+                <a:buSzTx/>
+                <a:buFontTx/>
+                <a:buNone/>
+                <a:tabLst/>
+                <a:defRPr/>
+              </a:pPr>
+              <a:t>26</a:t>
+            </a:fld>
+            <a:endParaRPr kumimoji="0" lang="en-US" sz="1050" b="0" i="0" u="none" strike="noStrike" kern="1200" cap="none" spc="0" normalizeH="0" baseline="0" noProof="0" dirty="0">
+              <a:ln>
+                <a:noFill/>
+              </a:ln>
+              <a:solidFill>
+                <a:srgbClr val="000000"/>
+              </a:solidFill>
+              <a:effectLst/>
+              <a:uLnTx/>
+              <a:uFillTx/>
+              <a:latin typeface="Cambria" panose="02040503050406030204"/>
+              <a:ea typeface="+mn-ea"/>
+              <a:cs typeface="+mn-cs"/>
+            </a:endParaRPr>
+          </a:p>
+        </p:txBody>
+      </p:sp>
+      <p:sp>
+        <p:nvSpPr>
+          <p:cNvPr id="8" name="Rectangle 7"/>
+          <p:cNvSpPr/>
+          <p:nvPr/>
+        </p:nvSpPr>
+        <p:spPr>
+          <a:xfrm>
+            <a:off x="2280110" y="2908468"/>
+            <a:ext cx="6123363" cy="1421928"/>
+          </a:xfrm>
+          <a:prstGeom prst="rect">
+            <a:avLst/>
+          </a:prstGeom>
+        </p:spPr>
+        <p:txBody>
+          <a:bodyPr wrap="square">
+            <a:spAutoFit/>
+          </a:bodyPr>
+          <a:lstStyle/>
+          <a:p>
+            <a:pPr marL="0" marR="0" lvl="0" indent="0" algn="l" defTabSz="914400" rtl="0" eaLnBrk="1" fontAlgn="auto" latinLnBrk="0" hangingPunct="1">
+              <a:lnSpc>
+                <a:spcPct val="120000"/>
+              </a:lnSpc>
+              <a:spcBef>
+                <a:spcPts val="0"/>
+              </a:spcBef>
+              <a:spcAft>
+                <a:spcPts val="0"/>
+              </a:spcAft>
+              <a:buClrTx/>
+              <a:buSzTx/>
+              <a:buFontTx/>
+              <a:buNone/>
+              <a:tabLst/>
+              <a:defRPr/>
+            </a:pPr>
+            <a:r>
+              <a:rPr kumimoji="0" lang="en-US" sz="2400" b="0" i="0" u="none" strike="noStrike" kern="1200" cap="none" spc="0" normalizeH="0" baseline="0" noProof="0" dirty="0" smtClean="0">
+                <a:ln>
+                  <a:noFill/>
+                </a:ln>
+                <a:solidFill>
+                  <a:srgbClr val="000000"/>
+                </a:solidFill>
+                <a:effectLst/>
+                <a:uLnTx/>
+                <a:uFillTx/>
+                <a:latin typeface="Monotype Corsiva" panose="03010101010201010101" pitchFamily="66" charset="0"/>
+                <a:ea typeface="+mn-ea"/>
+                <a:cs typeface="+mn-cs"/>
+              </a:rPr>
+              <a:t>A </a:t>
+            </a:r>
+            <a:r>
+              <a:rPr kumimoji="0" lang="en-US" sz="2400" b="0" i="0" u="none" strike="noStrike" kern="1200" cap="none" spc="0" normalizeH="0" baseline="0" noProof="0" dirty="0">
+                <a:ln>
+                  <a:noFill/>
+                </a:ln>
+                <a:solidFill>
+                  <a:srgbClr val="000000"/>
+                </a:solidFill>
+                <a:effectLst/>
+                <a:uLnTx/>
+                <a:uFillTx/>
+                <a:latin typeface="Monotype Corsiva" panose="03010101010201010101" pitchFamily="66" charset="0"/>
+                <a:ea typeface="+mn-ea"/>
+                <a:cs typeface="+mn-cs"/>
+              </a:rPr>
+              <a:t>pinch of </a:t>
+            </a:r>
+            <a:r>
+              <a:rPr kumimoji="0" lang="en-US" sz="2400" b="0" i="0" u="none" strike="noStrike" kern="1200" cap="none" spc="0" normalizeH="0" baseline="0" noProof="0" dirty="0">
+                <a:ln>
+                  <a:noFill/>
+                </a:ln>
+                <a:solidFill>
+                  <a:srgbClr val="FF0000"/>
+                </a:solidFill>
+                <a:effectLst/>
+                <a:uLnTx/>
+                <a:uFillTx/>
+                <a:latin typeface="Monotype Corsiva" panose="03010101010201010101" pitchFamily="66" charset="0"/>
+                <a:ea typeface="+mn-ea"/>
+                <a:cs typeface="+mn-cs"/>
+              </a:rPr>
+              <a:t>programming language </a:t>
+            </a:r>
+            <a:r>
+              <a:rPr kumimoji="0" lang="en-US" sz="2400" b="0" i="0" u="none" strike="noStrike" kern="1200" cap="none" spc="0" normalizeH="0" baseline="0" noProof="0" dirty="0" smtClean="0">
+                <a:ln>
+                  <a:noFill/>
+                </a:ln>
+                <a:solidFill>
+                  <a:srgbClr val="FF0000"/>
+                </a:solidFill>
+                <a:effectLst/>
+                <a:uLnTx/>
+                <a:uFillTx/>
+                <a:latin typeface="Monotype Corsiva" panose="03010101010201010101" pitchFamily="66" charset="0"/>
+                <a:ea typeface="+mn-ea"/>
+                <a:cs typeface="+mn-cs"/>
+              </a:rPr>
+              <a:t>design </a:t>
+            </a:r>
+            <a:r>
+              <a:rPr kumimoji="0" lang="en-US" sz="2400" b="0" i="0" u="none" strike="noStrike" kern="1200" cap="none" spc="0" normalizeH="0" baseline="0" noProof="0" dirty="0">
+                <a:ln>
+                  <a:noFill/>
+                </a:ln>
+                <a:solidFill>
+                  <a:srgbClr val="000000"/>
+                </a:solidFill>
+                <a:effectLst/>
+                <a:uLnTx/>
+                <a:uFillTx/>
+                <a:latin typeface="Monotype Corsiva" panose="03010101010201010101" pitchFamily="66" charset="0"/>
+                <a:ea typeface="+mn-ea"/>
+                <a:cs typeface="+mn-cs"/>
+              </a:rPr>
+              <a:t>with a dash of </a:t>
+            </a:r>
+            <a:r>
+              <a:rPr kumimoji="0" lang="en-US" sz="2400" b="0" i="0" u="none" strike="noStrike" kern="1200" cap="none" spc="0" normalizeH="0" baseline="0" noProof="0" dirty="0">
+                <a:ln>
+                  <a:noFill/>
+                </a:ln>
+                <a:solidFill>
+                  <a:srgbClr val="00B050"/>
+                </a:solidFill>
+                <a:effectLst/>
+                <a:uLnTx/>
+                <a:uFillTx/>
+                <a:latin typeface="Monotype Corsiva" panose="03010101010201010101" pitchFamily="66" charset="0"/>
+                <a:ea typeface="+mn-ea"/>
+                <a:cs typeface="+mn-cs"/>
+              </a:rPr>
+              <a:t>automated reasoning</a:t>
+            </a:r>
+            <a:r>
+              <a:rPr kumimoji="0" lang="en-US" sz="2400" b="0" i="0" u="none" strike="noStrike" kern="1200" cap="none" spc="0" normalizeH="0" baseline="0" noProof="0" dirty="0">
+                <a:ln>
+                  <a:noFill/>
+                </a:ln>
+                <a:solidFill>
+                  <a:srgbClr val="000000"/>
+                </a:solidFill>
+                <a:effectLst/>
+                <a:uLnTx/>
+                <a:uFillTx/>
+                <a:latin typeface="Monotype Corsiva" panose="03010101010201010101" pitchFamily="66" charset="0"/>
+                <a:ea typeface="+mn-ea"/>
+                <a:cs typeface="+mn-cs"/>
+              </a:rPr>
+              <a:t> can go a long way in bringing joy </a:t>
+            </a:r>
+            <a:r>
+              <a:rPr kumimoji="0" lang="en-US" sz="2400" b="0" i="0" u="none" strike="noStrike" kern="1200" cap="none" spc="0" normalizeH="0" baseline="0" noProof="0" dirty="0" smtClean="0">
+                <a:ln>
+                  <a:noFill/>
+                </a:ln>
+                <a:solidFill>
+                  <a:srgbClr val="000000"/>
+                </a:solidFill>
+                <a:effectLst/>
+                <a:uLnTx/>
+                <a:uFillTx/>
+                <a:latin typeface="Monotype Corsiva" panose="03010101010201010101" pitchFamily="66" charset="0"/>
+                <a:ea typeface="+mn-ea"/>
+                <a:cs typeface="+mn-cs"/>
+              </a:rPr>
+              <a:t>back</a:t>
+            </a:r>
+            <a:endParaRPr kumimoji="0" lang="en-US" sz="2400" b="0" i="0" u="none" strike="noStrike" kern="1200" cap="none" spc="0" normalizeH="0" baseline="0" noProof="0" dirty="0">
+              <a:ln>
+                <a:noFill/>
+              </a:ln>
+              <a:solidFill>
+                <a:srgbClr val="000000"/>
+              </a:solidFill>
+              <a:effectLst/>
+              <a:uLnTx/>
+              <a:uFillTx/>
+              <a:latin typeface="Cambria" panose="02040503050406030204"/>
+              <a:ea typeface="+mn-ea"/>
+              <a:cs typeface="+mn-cs"/>
+            </a:endParaRPr>
+          </a:p>
+        </p:txBody>
+      </p:sp>
+      <p:sp>
+        <p:nvSpPr>
+          <p:cNvPr id="9" name="Date Placeholder 8"/>
+          <p:cNvSpPr>
+            <a:spLocks noGrp="1"/>
+          </p:cNvSpPr>
+          <p:nvPr>
+            <p:ph type="dt" sz="half" idx="10"/>
+          </p:nvPr>
+        </p:nvSpPr>
+        <p:spPr/>
+        <p:txBody>
+          <a:bodyPr/>
+          <a:lstStyle/>
+          <a:p>
+            <a:pPr marL="0" marR="0" lvl="0" indent="0" algn="l" defTabSz="914400" rtl="0" eaLnBrk="1" fontAlgn="auto" latinLnBrk="0" hangingPunct="1">
+              <a:lnSpc>
+                <a:spcPct val="100000"/>
+              </a:lnSpc>
+              <a:spcBef>
+                <a:spcPts val="0"/>
+              </a:spcBef>
+              <a:spcAft>
+                <a:spcPts val="0"/>
+              </a:spcAft>
+              <a:buClrTx/>
+              <a:buSzTx/>
+              <a:buFontTx/>
+              <a:buNone/>
+              <a:tabLst/>
+              <a:defRPr/>
+            </a:pPr>
+            <a:r>
+              <a:rPr kumimoji="0" lang="en-US" sz="900" b="0" i="0" u="none" strike="noStrike" kern="1200" cap="none" spc="0" normalizeH="0" baseline="0" noProof="0" smtClean="0">
+                <a:ln>
+                  <a:noFill/>
+                </a:ln>
+                <a:solidFill>
+                  <a:srgbClr val="000000"/>
+                </a:solidFill>
+                <a:effectLst/>
+                <a:uLnTx/>
+                <a:uFillTx/>
+                <a:latin typeface="Cambria" panose="02040503050406030204"/>
+                <a:ea typeface="+mn-ea"/>
+                <a:cs typeface="+mn-cs"/>
+              </a:rPr>
+              <a:t>PLDI 2019</a:t>
+            </a:r>
+            <a:endParaRPr kumimoji="0" lang="en-US" sz="900" b="0" i="0" u="none" strike="noStrike" kern="1200" cap="none" spc="0" normalizeH="0" baseline="0" noProof="0" dirty="0">
+              <a:ln>
+                <a:noFill/>
+              </a:ln>
+              <a:solidFill>
+                <a:srgbClr val="000000"/>
+              </a:solidFill>
+              <a:effectLst/>
+              <a:uLnTx/>
+              <a:uFillTx/>
+              <a:latin typeface="Cambria" panose="02040503050406030204"/>
+              <a:ea typeface="+mn-ea"/>
+              <a:cs typeface="+mn-cs"/>
+            </a:endParaRPr>
+          </a:p>
+        </p:txBody>
+      </p:sp>
+    </p:spTree>
+    <p:extLst>
+      <p:ext uri="{BB962C8B-B14F-4D97-AF65-F5344CB8AC3E}">
+        <p14:creationId xmlns:p14="http://schemas.microsoft.com/office/powerpoint/2010/main" val="591705378"/>
       </p:ext>
     </p:extLst>
   </p:cSld>
@@ -25564,7 +28140,7 @@
                 <a:ea typeface="+mn-ea"/>
                 <a:cs typeface="+mn-cs"/>
               </a:rPr>
-              <a:t>Compositional Safety Testing</a:t>
+              <a:t>SafeAsync: Compositional Safety Testing</a:t>
             </a:r>
             <a:endParaRPr kumimoji="0" lang="en-US" sz="900" b="0" i="0" u="none" strike="noStrike" kern="1200" cap="all" spc="0" normalizeH="0" baseline="0" noProof="0" dirty="0">
               <a:ln>
@@ -28268,7 +30844,7 @@
                 <a:ea typeface="+mn-ea"/>
                 <a:cs typeface="+mn-cs"/>
               </a:rPr>
-              <a:t>Compositional Safety Testing</a:t>
+              <a:t>SafeAsync: Compositional Safety Testing</a:t>
             </a:r>
             <a:endParaRPr kumimoji="0" lang="en-US" sz="900" b="0" i="0" u="none" strike="noStrike" kern="1200" cap="all" spc="0" normalizeH="0" baseline="0" noProof="0" dirty="0">
               <a:ln>
@@ -31295,7 +33871,7 @@
                 <a:ea typeface="+mn-ea"/>
                 <a:cs typeface="+mn-cs"/>
               </a:rPr>
-              <a:t>Compositional Safety Testing</a:t>
+              <a:t>SafeAsync: Compositional Safety Testing</a:t>
             </a:r>
             <a:endParaRPr kumimoji="0" lang="en-US" sz="900" b="0" i="0" u="none" strike="noStrike" kern="1200" cap="all" spc="0" normalizeH="0" baseline="0" noProof="0" dirty="0">
               <a:ln>
@@ -31554,7 +34130,7 @@
                 <a:ea typeface="+mn-ea"/>
                 <a:cs typeface="+mn-cs"/>
               </a:rPr>
-              <a:t>Compositional Safety Testing</a:t>
+              <a:t>SafeAsync: Compositional Safety Testing</a:t>
             </a:r>
             <a:endParaRPr kumimoji="0" lang="en-US" sz="900" b="0" i="0" u="none" strike="noStrike" kern="1200" cap="all" spc="0" normalizeH="0" baseline="0" noProof="0" dirty="0">
               <a:ln>
@@ -33343,7 +35919,7 @@
                 <a:ea typeface="+mn-ea"/>
                 <a:cs typeface="+mn-cs"/>
               </a:rPr>
-              <a:t>Compositional Safety Testing</a:t>
+              <a:t>SafeAsync: Compositional Safety Testing</a:t>
             </a:r>
             <a:endParaRPr kumimoji="0" lang="en-US" sz="900" b="0" i="0" u="none" strike="noStrike" kern="1200" cap="all" spc="0" normalizeH="0" baseline="0" noProof="0" dirty="0">
               <a:ln>
@@ -34227,7 +36803,7 @@
                 <a:ea typeface="+mn-ea"/>
                 <a:cs typeface="+mn-cs"/>
               </a:rPr>
-              <a:t>Compositional Safety Testing</a:t>
+              <a:t>SafeAsync: Compositional Safety Testing</a:t>
             </a:r>
             <a:endParaRPr kumimoji="0" lang="en-US" sz="900" b="0" i="0" u="none" strike="noStrike" kern="1200" cap="all" spc="0" normalizeH="0" baseline="0" noProof="0" dirty="0">
               <a:ln>
@@ -37943,7 +40519,7 @@
                 <a:ea typeface="+mn-ea"/>
                 <a:cs typeface="+mn-cs"/>
               </a:rPr>
-              <a:t>Compositional Safety Testing</a:t>
+              <a:t>SafeAsync: Compositional Safety Testing</a:t>
             </a:r>
             <a:endParaRPr kumimoji="0" lang="en-US" sz="900" b="0" i="0" u="none" strike="noStrike" kern="1200" cap="all" spc="0" normalizeH="0" baseline="0" noProof="0" dirty="0">
               <a:ln>

--- a/Presentations/CompositionalSafetyTesting.pptx
+++ b/Presentations/CompositionalSafetyTesting.pptx
@@ -5,10 +5,10 @@
     <p:sldMasterId id="2147483672" r:id="rId1"/>
   </p:sldMasterIdLst>
   <p:notesMasterIdLst>
-    <p:notesMasterId r:id="rId28"/>
+    <p:notesMasterId r:id="rId29"/>
   </p:notesMasterIdLst>
   <p:handoutMasterIdLst>
-    <p:handoutMasterId r:id="rId29"/>
+    <p:handoutMasterId r:id="rId30"/>
   </p:handoutMasterIdLst>
   <p:sldIdLst>
     <p:sldId id="256" r:id="rId2"/>
@@ -36,7 +36,8 @@
     <p:sldId id="276" r:id="rId24"/>
     <p:sldId id="281" r:id="rId25"/>
     <p:sldId id="277" r:id="rId26"/>
-    <p:sldId id="282" r:id="rId27"/>
+    <p:sldId id="283" r:id="rId27"/>
+    <p:sldId id="282" r:id="rId28"/>
   </p:sldIdLst>
   <p:sldSz cx="9144000" cy="6858000" type="screen4x3"/>
   <p:notesSz cx="6858000" cy="9144000"/>
@@ -240,7 +241,7 @@
           <a:p>
             <a:fld id="{FC61A6FD-3ACD-4666-B601-2198EA538879}" type="datetimeFigureOut">
               <a:rPr lang="en-US" smtClean="0"/>
-              <a:t>6/18/2019</a:t>
+              <a:t>6/21/2019</a:t>
             </a:fld>
             <a:endParaRPr lang="en-US"/>
           </a:p>
@@ -418,7 +419,7 @@
           <a:p>
             <a:fld id="{37DF9D4D-9EA6-4037-AB5B-4AEE090FBDF0}" type="datetimeFigureOut">
               <a:rPr lang="en-US" smtClean="0"/>
-              <a:t>6/18/2019</a:t>
+              <a:t>6/21/2019</a:t>
             </a:fld>
             <a:endParaRPr lang="en-US"/>
           </a:p>
@@ -1986,6 +1987,90 @@
     <p:extLst>
       <p:ext uri="{BB962C8B-B14F-4D97-AF65-F5344CB8AC3E}">
         <p14:creationId xmlns:p14="http://schemas.microsoft.com/office/powerpoint/2010/main" val="1258998436"/>
+      </p:ext>
+    </p:extLst>
+  </p:cSld>
+  <p:clrMapOvr>
+    <a:masterClrMapping/>
+  </p:clrMapOvr>
+</p:notes>
+</file>
+
+<file path=ppt/notesSlides/notesSlide19.xml><?xml version="1.0" encoding="utf-8"?>
+<p:notes xmlns:a="http://schemas.openxmlformats.org/drawingml/2006/main" xmlns:r="http://schemas.openxmlformats.org/officeDocument/2006/relationships" xmlns:p="http://schemas.openxmlformats.org/presentationml/2006/main">
+  <p:cSld>
+    <p:spTree>
+      <p:nvGrpSpPr>
+        <p:cNvPr id="1" name=""/>
+        <p:cNvGrpSpPr/>
+        <p:nvPr/>
+      </p:nvGrpSpPr>
+      <p:grpSpPr>
+        <a:xfrm>
+          <a:off x="0" y="0"/>
+          <a:ext cx="0" cy="0"/>
+          <a:chOff x="0" y="0"/>
+          <a:chExt cx="0" cy="0"/>
+        </a:xfrm>
+      </p:grpSpPr>
+      <p:sp>
+        <p:nvSpPr>
+          <p:cNvPr id="2" name="Slide Image Placeholder 1"/>
+          <p:cNvSpPr>
+            <a:spLocks noGrp="1" noRot="1" noChangeAspect="1"/>
+          </p:cNvSpPr>
+          <p:nvPr>
+            <p:ph type="sldImg"/>
+          </p:nvPr>
+        </p:nvSpPr>
+        <p:spPr/>
+      </p:sp>
+      <p:sp>
+        <p:nvSpPr>
+          <p:cNvPr id="3" name="Notes Placeholder 2"/>
+          <p:cNvSpPr>
+            <a:spLocks noGrp="1"/>
+          </p:cNvSpPr>
+          <p:nvPr>
+            <p:ph type="body" idx="1"/>
+          </p:nvPr>
+        </p:nvSpPr>
+        <p:spPr/>
+        <p:txBody>
+          <a:bodyPr/>
+          <a:lstStyle/>
+          <a:p>
+            <a:endParaRPr lang="en-US" dirty="0"/>
+          </a:p>
+        </p:txBody>
+      </p:sp>
+      <p:sp>
+        <p:nvSpPr>
+          <p:cNvPr id="4" name="Slide Number Placeholder 3"/>
+          <p:cNvSpPr>
+            <a:spLocks noGrp="1"/>
+          </p:cNvSpPr>
+          <p:nvPr>
+            <p:ph type="sldNum" sz="quarter" idx="10"/>
+          </p:nvPr>
+        </p:nvSpPr>
+        <p:spPr/>
+        <p:txBody>
+          <a:bodyPr/>
+          <a:lstStyle/>
+          <a:p>
+            <a:fld id="{5D386647-7AE0-4CBA-AC4E-932692EE63ED}" type="slidenum">
+              <a:rPr lang="en-US" smtClean="0"/>
+              <a:t>26</a:t>
+            </a:fld>
+            <a:endParaRPr lang="en-US"/>
+          </a:p>
+        </p:txBody>
+      </p:sp>
+    </p:spTree>
+    <p:extLst>
+      <p:ext uri="{BB962C8B-B14F-4D97-AF65-F5344CB8AC3E}">
+        <p14:creationId xmlns:p14="http://schemas.microsoft.com/office/powerpoint/2010/main" val="3284893794"/>
       </p:ext>
     </p:extLst>
   </p:cSld>
@@ -27100,6 +27185,148 @@
           <a:chExt cx="0" cy="0"/>
         </a:xfrm>
       </p:grpSpPr>
+      <p:sp>
+        <p:nvSpPr>
+          <p:cNvPr id="2" name="Title 1"/>
+          <p:cNvSpPr>
+            <a:spLocks noGrp="1"/>
+          </p:cNvSpPr>
+          <p:nvPr>
+            <p:ph type="title"/>
+          </p:nvPr>
+        </p:nvSpPr>
+        <p:spPr/>
+        <p:txBody>
+          <a:bodyPr/>
+          <a:lstStyle/>
+          <a:p>
+            <a:r>
+              <a:rPr lang="en-US" dirty="0" smtClean="0"/>
+              <a:t>Demo</a:t>
+            </a:r>
+            <a:endParaRPr lang="en-US" dirty="0"/>
+          </a:p>
+        </p:txBody>
+      </p:sp>
+      <p:sp>
+        <p:nvSpPr>
+          <p:cNvPr id="3" name="Content Placeholder 2"/>
+          <p:cNvSpPr>
+            <a:spLocks noGrp="1"/>
+          </p:cNvSpPr>
+          <p:nvPr>
+            <p:ph idx="1"/>
+          </p:nvPr>
+        </p:nvSpPr>
+        <p:spPr/>
+        <p:txBody>
+          <a:bodyPr/>
+          <a:lstStyle/>
+          <a:p>
+            <a:endParaRPr lang="en-US"/>
+          </a:p>
+        </p:txBody>
+      </p:sp>
+      <p:sp>
+        <p:nvSpPr>
+          <p:cNvPr id="4" name="Date Placeholder 3"/>
+          <p:cNvSpPr>
+            <a:spLocks noGrp="1"/>
+          </p:cNvSpPr>
+          <p:nvPr>
+            <p:ph type="dt" sz="half" idx="10"/>
+          </p:nvPr>
+        </p:nvSpPr>
+        <p:spPr/>
+        <p:txBody>
+          <a:bodyPr/>
+          <a:lstStyle/>
+          <a:p>
+            <a:r>
+              <a:rPr lang="en-US" smtClean="0"/>
+              <a:t>PLDI 2019</a:t>
+            </a:r>
+            <a:endParaRPr lang="en-US" dirty="0"/>
+          </a:p>
+        </p:txBody>
+      </p:sp>
+      <p:sp>
+        <p:nvSpPr>
+          <p:cNvPr id="5" name="Footer Placeholder 4"/>
+          <p:cNvSpPr>
+            <a:spLocks noGrp="1"/>
+          </p:cNvSpPr>
+          <p:nvPr>
+            <p:ph type="ftr" sz="quarter" idx="11"/>
+          </p:nvPr>
+        </p:nvSpPr>
+        <p:spPr/>
+        <p:txBody>
+          <a:bodyPr/>
+          <a:lstStyle/>
+          <a:p>
+            <a:r>
+              <a:rPr lang="en-US" smtClean="0"/>
+              <a:t>SafeAsync: Compositional Safety Testing</a:t>
+            </a:r>
+            <a:endParaRPr lang="en-US" dirty="0"/>
+          </a:p>
+        </p:txBody>
+      </p:sp>
+      <p:sp>
+        <p:nvSpPr>
+          <p:cNvPr id="6" name="Slide Number Placeholder 5"/>
+          <p:cNvSpPr>
+            <a:spLocks noGrp="1"/>
+          </p:cNvSpPr>
+          <p:nvPr>
+            <p:ph type="sldNum" sz="quarter" idx="12"/>
+          </p:nvPr>
+        </p:nvSpPr>
+        <p:spPr/>
+        <p:txBody>
+          <a:bodyPr/>
+          <a:lstStyle/>
+          <a:p>
+            <a:fld id="{77CC721F-1D71-470D-9ADD-E53F1C9EB23A}" type="slidenum">
+              <a:rPr lang="en-US" smtClean="0"/>
+              <a:pPr/>
+              <a:t>26</a:t>
+            </a:fld>
+            <a:endParaRPr lang="en-US" dirty="0"/>
+          </a:p>
+        </p:txBody>
+      </p:sp>
+    </p:spTree>
+    <p:extLst>
+      <p:ext uri="{BB962C8B-B14F-4D97-AF65-F5344CB8AC3E}">
+        <p14:creationId xmlns:p14="http://schemas.microsoft.com/office/powerpoint/2010/main" val="3517763457"/>
+      </p:ext>
+    </p:extLst>
+  </p:cSld>
+  <p:clrMapOvr>
+    <a:masterClrMapping/>
+  </p:clrMapOvr>
+</p:sld>
+</file>
+
+<file path=ppt/slides/slide27.xml><?xml version="1.0" encoding="utf-8"?>
+<p:sld xmlns:a="http://schemas.openxmlformats.org/drawingml/2006/main" xmlns:r="http://schemas.openxmlformats.org/officeDocument/2006/relationships" xmlns:p="http://schemas.openxmlformats.org/presentationml/2006/main">
+  <p:cSld>
+    <p:spTree>
+      <p:nvGrpSpPr>
+        <p:cNvPr id="1" name=""/>
+        <p:cNvGrpSpPr/>
+        <p:nvPr/>
+      </p:nvGrpSpPr>
+      <p:grpSpPr>
+        <a:xfrm>
+          <a:off x="0" y="0"/>
+          <a:ext cx="0" cy="0"/>
+          <a:chOff x="0" y="0"/>
+          <a:chExt cx="0" cy="0"/>
+        </a:xfrm>
+      </p:grpSpPr>
       <p:pic>
         <p:nvPicPr>
           <p:cNvPr id="1030" name="Picture 6" descr="Image result for smiley face success"/>
@@ -27738,7 +27965,7 @@
                 <a:tabLst/>
                 <a:defRPr/>
               </a:pPr>
-              <a:t>26</a:t>
+              <a:t>27</a:t>
             </a:fld>
             <a:endParaRPr kumimoji="0" lang="en-US" sz="1050" b="0" i="0" u="none" strike="noStrike" kern="1200" cap="none" spc="0" normalizeH="0" baseline="0" noProof="0" dirty="0">
               <a:ln>

--- a/Presentations/CompositionalSafetyTesting.pptx
+++ b/Presentations/CompositionalSafetyTesting.pptx
@@ -35,8 +35,8 @@
     <p:sldId id="280" r:id="rId23"/>
     <p:sldId id="276" r:id="rId24"/>
     <p:sldId id="281" r:id="rId25"/>
-    <p:sldId id="277" r:id="rId26"/>
-    <p:sldId id="283" r:id="rId27"/>
+    <p:sldId id="283" r:id="rId26"/>
+    <p:sldId id="277" r:id="rId27"/>
     <p:sldId id="282" r:id="rId28"/>
   </p:sldIdLst>
   <p:sldSz cx="9144000" cy="6858000" type="screen4x3"/>
@@ -2061,7 +2061,7 @@
           <a:p>
             <a:fld id="{5D386647-7AE0-4CBA-AC4E-932692EE63ED}" type="slidenum">
               <a:rPr lang="en-US" smtClean="0"/>
-              <a:t>26</a:t>
+              <a:t>25</a:t>
             </a:fld>
             <a:endParaRPr lang="en-US"/>
           </a:p>
@@ -6420,7 +6420,11 @@
           <a:p>
             <a:r>
               <a:rPr lang="en-US" dirty="0" smtClean="0"/>
-              <a:t>PLDI 2019 Tutorials</a:t>
+              <a:t>PLDI </a:t>
+            </a:r>
+            <a:r>
+              <a:rPr lang="en-US" dirty="0" smtClean="0"/>
+              <a:t>2019</a:t>
             </a:r>
             <a:endParaRPr lang="en-US" dirty="0"/>
           </a:p>
@@ -26493,67 +26497,64 @@
         <p:spPr/>
         <p:txBody>
           <a:bodyPr>
-            <a:normAutofit/>
+            <a:noAutofit/>
           </a:bodyPr>
           <a:lstStyle/>
           <a:p>
             <a:r>
+              <a:rPr lang="en-US" sz="2800" dirty="0"/>
+              <a:t>For safety tests, programmer provides a “test harness” module to “close” the module</a:t>
+            </a:r>
+          </a:p>
+          <a:p>
+            <a:pPr lvl="1"/>
+            <a:r>
               <a:rPr lang="en-US" sz="2400" dirty="0"/>
-              <a:t>For safety tests, programmer provides a “test harness” module to “close” the module</a:t>
+              <a:t>systematic testing </a:t>
+            </a:r>
+            <a:r>
+              <a:rPr lang="en-US" sz="2400" dirty="0" smtClean="0"/>
+              <a:t>backend explores </a:t>
+            </a:r>
+            <a:r>
+              <a:rPr lang="en-US" sz="2400" dirty="0"/>
+              <a:t>the closed module</a:t>
+            </a:r>
+          </a:p>
+          <a:p>
+            <a:endParaRPr lang="en-US" sz="2800" dirty="0"/>
+          </a:p>
+          <a:p>
+            <a:r>
+              <a:rPr lang="en-US" sz="2800" dirty="0"/>
+              <a:t>For refinement tests, test harness is provided for both left (L) and right (R) modules</a:t>
             </a:r>
           </a:p>
           <a:p>
             <a:pPr lvl="1"/>
             <a:r>
-              <a:rPr lang="en-US" sz="2000" dirty="0"/>
-              <a:t>systematic testing </a:t>
-            </a:r>
-            <a:r>
-              <a:rPr lang="en-US" sz="2000" smtClean="0"/>
-              <a:t>backend explores </a:t>
-            </a:r>
-            <a:r>
-              <a:rPr lang="en-US" sz="2000" dirty="0"/>
-              <a:t>the closed module</a:t>
-            </a:r>
-          </a:p>
-          <a:p>
-            <a:endParaRPr lang="en-US" sz="2400" dirty="0"/>
-          </a:p>
-          <a:p>
-            <a:endParaRPr lang="en-US" sz="2400" dirty="0"/>
-          </a:p>
-          <a:p>
-            <a:r>
               <a:rPr lang="en-US" sz="2400" dirty="0"/>
-              <a:t>For refinement tests, test harness is provided for both left (L) and right (R) modules</a:t>
+              <a:t>generate executions of R and store them in a cache</a:t>
             </a:r>
           </a:p>
           <a:p>
             <a:pPr lvl="1"/>
             <a:r>
-              <a:rPr lang="en-US" sz="2000" dirty="0"/>
-              <a:t>generate executions of R and store them in a cache</a:t>
-            </a:r>
-          </a:p>
-          <a:p>
-            <a:pPr lvl="1"/>
-            <a:r>
-              <a:rPr lang="en-US" sz="2000" dirty="0"/>
+              <a:rPr lang="en-US" sz="2400" dirty="0"/>
               <a:t>generate executions of L </a:t>
             </a:r>
           </a:p>
           <a:p>
             <a:pPr lvl="2"/>
             <a:r>
-              <a:rPr lang="en-US" sz="1600" dirty="0"/>
+              <a:rPr lang="en-US" sz="1800" dirty="0"/>
               <a:t>for each execution, attempt to match with some trace in </a:t>
             </a:r>
             <a:r>
-              <a:rPr lang="en-US" sz="1600" dirty="0" smtClean="0"/>
+              <a:rPr lang="en-US" sz="1800" dirty="0" smtClean="0"/>
               <a:t>cache</a:t>
             </a:r>
-            <a:endParaRPr lang="en-US" sz="1600" dirty="0"/>
+            <a:endParaRPr lang="en-US" sz="1800" dirty="0"/>
           </a:p>
         </p:txBody>
       </p:sp>
@@ -26660,6 +26661,148 @@
 </file>
 
 <file path=ppt/slides/slide25.xml><?xml version="1.0" encoding="utf-8"?>
+<p:sld xmlns:a="http://schemas.openxmlformats.org/drawingml/2006/main" xmlns:r="http://schemas.openxmlformats.org/officeDocument/2006/relationships" xmlns:p="http://schemas.openxmlformats.org/presentationml/2006/main">
+  <p:cSld>
+    <p:spTree>
+      <p:nvGrpSpPr>
+        <p:cNvPr id="1" name=""/>
+        <p:cNvGrpSpPr/>
+        <p:nvPr/>
+      </p:nvGrpSpPr>
+      <p:grpSpPr>
+        <a:xfrm>
+          <a:off x="0" y="0"/>
+          <a:ext cx="0" cy="0"/>
+          <a:chOff x="0" y="0"/>
+          <a:chExt cx="0" cy="0"/>
+        </a:xfrm>
+      </p:grpSpPr>
+      <p:sp>
+        <p:nvSpPr>
+          <p:cNvPr id="2" name="Title 1"/>
+          <p:cNvSpPr>
+            <a:spLocks noGrp="1"/>
+          </p:cNvSpPr>
+          <p:nvPr>
+            <p:ph type="title"/>
+          </p:nvPr>
+        </p:nvSpPr>
+        <p:spPr/>
+        <p:txBody>
+          <a:bodyPr/>
+          <a:lstStyle/>
+          <a:p>
+            <a:r>
+              <a:rPr lang="en-US" dirty="0" smtClean="0"/>
+              <a:t>Demo</a:t>
+            </a:r>
+            <a:endParaRPr lang="en-US" dirty="0"/>
+          </a:p>
+        </p:txBody>
+      </p:sp>
+      <p:sp>
+        <p:nvSpPr>
+          <p:cNvPr id="3" name="Content Placeholder 2"/>
+          <p:cNvSpPr>
+            <a:spLocks noGrp="1"/>
+          </p:cNvSpPr>
+          <p:nvPr>
+            <p:ph idx="1"/>
+          </p:nvPr>
+        </p:nvSpPr>
+        <p:spPr/>
+        <p:txBody>
+          <a:bodyPr/>
+          <a:lstStyle/>
+          <a:p>
+            <a:endParaRPr lang="en-US"/>
+          </a:p>
+        </p:txBody>
+      </p:sp>
+      <p:sp>
+        <p:nvSpPr>
+          <p:cNvPr id="4" name="Date Placeholder 3"/>
+          <p:cNvSpPr>
+            <a:spLocks noGrp="1"/>
+          </p:cNvSpPr>
+          <p:nvPr>
+            <p:ph type="dt" sz="half" idx="10"/>
+          </p:nvPr>
+        </p:nvSpPr>
+        <p:spPr/>
+        <p:txBody>
+          <a:bodyPr/>
+          <a:lstStyle/>
+          <a:p>
+            <a:r>
+              <a:rPr lang="en-US" smtClean="0"/>
+              <a:t>PLDI 2019</a:t>
+            </a:r>
+            <a:endParaRPr lang="en-US" dirty="0"/>
+          </a:p>
+        </p:txBody>
+      </p:sp>
+      <p:sp>
+        <p:nvSpPr>
+          <p:cNvPr id="5" name="Footer Placeholder 4"/>
+          <p:cNvSpPr>
+            <a:spLocks noGrp="1"/>
+          </p:cNvSpPr>
+          <p:nvPr>
+            <p:ph type="ftr" sz="quarter" idx="11"/>
+          </p:nvPr>
+        </p:nvSpPr>
+        <p:spPr/>
+        <p:txBody>
+          <a:bodyPr/>
+          <a:lstStyle/>
+          <a:p>
+            <a:r>
+              <a:rPr lang="en-US" smtClean="0"/>
+              <a:t>SafeAsync: Compositional Safety Testing</a:t>
+            </a:r>
+            <a:endParaRPr lang="en-US" dirty="0"/>
+          </a:p>
+        </p:txBody>
+      </p:sp>
+      <p:sp>
+        <p:nvSpPr>
+          <p:cNvPr id="6" name="Slide Number Placeholder 5"/>
+          <p:cNvSpPr>
+            <a:spLocks noGrp="1"/>
+          </p:cNvSpPr>
+          <p:nvPr>
+            <p:ph type="sldNum" sz="quarter" idx="12"/>
+          </p:nvPr>
+        </p:nvSpPr>
+        <p:spPr/>
+        <p:txBody>
+          <a:bodyPr/>
+          <a:lstStyle/>
+          <a:p>
+            <a:fld id="{77CC721F-1D71-470D-9ADD-E53F1C9EB23A}" type="slidenum">
+              <a:rPr lang="en-US" smtClean="0"/>
+              <a:pPr/>
+              <a:t>25</a:t>
+            </a:fld>
+            <a:endParaRPr lang="en-US" dirty="0"/>
+          </a:p>
+        </p:txBody>
+      </p:sp>
+    </p:spTree>
+    <p:extLst>
+      <p:ext uri="{BB962C8B-B14F-4D97-AF65-F5344CB8AC3E}">
+        <p14:creationId xmlns:p14="http://schemas.microsoft.com/office/powerpoint/2010/main" val="3517763457"/>
+      </p:ext>
+    </p:extLst>
+  </p:cSld>
+  <p:clrMapOvr>
+    <a:masterClrMapping/>
+  </p:clrMapOvr>
+</p:sld>
+</file>
+
+<file path=ppt/slides/slide26.xml><?xml version="1.0" encoding="utf-8"?>
 <p:sld xmlns:a="http://schemas.openxmlformats.org/drawingml/2006/main" xmlns:r="http://schemas.openxmlformats.org/officeDocument/2006/relationships" xmlns:p="http://schemas.openxmlformats.org/presentationml/2006/main">
   <p:cSld>
     <p:spTree>
@@ -26883,7 +27026,7 @@
                 <a:tabLst/>
                 <a:defRPr/>
               </a:pPr>
-              <a:t>25</a:t>
+              <a:t>26</a:t>
             </a:fld>
             <a:endParaRPr kumimoji="0" lang="en-US" sz="1050" b="0" i="0" u="none" strike="noStrike" kern="1200" cap="none" spc="0" normalizeH="0" baseline="0" noProof="0" dirty="0">
               <a:ln>
@@ -27165,148 +27308,6 @@
       </p:par>
     </p:tnLst>
   </p:timing>
-</p:sld>
-</file>
-
-<file path=ppt/slides/slide26.xml><?xml version="1.0" encoding="utf-8"?>
-<p:sld xmlns:a="http://schemas.openxmlformats.org/drawingml/2006/main" xmlns:r="http://schemas.openxmlformats.org/officeDocument/2006/relationships" xmlns:p="http://schemas.openxmlformats.org/presentationml/2006/main">
-  <p:cSld>
-    <p:spTree>
-      <p:nvGrpSpPr>
-        <p:cNvPr id="1" name=""/>
-        <p:cNvGrpSpPr/>
-        <p:nvPr/>
-      </p:nvGrpSpPr>
-      <p:grpSpPr>
-        <a:xfrm>
-          <a:off x="0" y="0"/>
-          <a:ext cx="0" cy="0"/>
-          <a:chOff x="0" y="0"/>
-          <a:chExt cx="0" cy="0"/>
-        </a:xfrm>
-      </p:grpSpPr>
-      <p:sp>
-        <p:nvSpPr>
-          <p:cNvPr id="2" name="Title 1"/>
-          <p:cNvSpPr>
-            <a:spLocks noGrp="1"/>
-          </p:cNvSpPr>
-          <p:nvPr>
-            <p:ph type="title"/>
-          </p:nvPr>
-        </p:nvSpPr>
-        <p:spPr/>
-        <p:txBody>
-          <a:bodyPr/>
-          <a:lstStyle/>
-          <a:p>
-            <a:r>
-              <a:rPr lang="en-US" dirty="0" smtClean="0"/>
-              <a:t>Demo</a:t>
-            </a:r>
-            <a:endParaRPr lang="en-US" dirty="0"/>
-          </a:p>
-        </p:txBody>
-      </p:sp>
-      <p:sp>
-        <p:nvSpPr>
-          <p:cNvPr id="3" name="Content Placeholder 2"/>
-          <p:cNvSpPr>
-            <a:spLocks noGrp="1"/>
-          </p:cNvSpPr>
-          <p:nvPr>
-            <p:ph idx="1"/>
-          </p:nvPr>
-        </p:nvSpPr>
-        <p:spPr/>
-        <p:txBody>
-          <a:bodyPr/>
-          <a:lstStyle/>
-          <a:p>
-            <a:endParaRPr lang="en-US"/>
-          </a:p>
-        </p:txBody>
-      </p:sp>
-      <p:sp>
-        <p:nvSpPr>
-          <p:cNvPr id="4" name="Date Placeholder 3"/>
-          <p:cNvSpPr>
-            <a:spLocks noGrp="1"/>
-          </p:cNvSpPr>
-          <p:nvPr>
-            <p:ph type="dt" sz="half" idx="10"/>
-          </p:nvPr>
-        </p:nvSpPr>
-        <p:spPr/>
-        <p:txBody>
-          <a:bodyPr/>
-          <a:lstStyle/>
-          <a:p>
-            <a:r>
-              <a:rPr lang="en-US" smtClean="0"/>
-              <a:t>PLDI 2019</a:t>
-            </a:r>
-            <a:endParaRPr lang="en-US" dirty="0"/>
-          </a:p>
-        </p:txBody>
-      </p:sp>
-      <p:sp>
-        <p:nvSpPr>
-          <p:cNvPr id="5" name="Footer Placeholder 4"/>
-          <p:cNvSpPr>
-            <a:spLocks noGrp="1"/>
-          </p:cNvSpPr>
-          <p:nvPr>
-            <p:ph type="ftr" sz="quarter" idx="11"/>
-          </p:nvPr>
-        </p:nvSpPr>
-        <p:spPr/>
-        <p:txBody>
-          <a:bodyPr/>
-          <a:lstStyle/>
-          <a:p>
-            <a:r>
-              <a:rPr lang="en-US" smtClean="0"/>
-              <a:t>SafeAsync: Compositional Safety Testing</a:t>
-            </a:r>
-            <a:endParaRPr lang="en-US" dirty="0"/>
-          </a:p>
-        </p:txBody>
-      </p:sp>
-      <p:sp>
-        <p:nvSpPr>
-          <p:cNvPr id="6" name="Slide Number Placeholder 5"/>
-          <p:cNvSpPr>
-            <a:spLocks noGrp="1"/>
-          </p:cNvSpPr>
-          <p:nvPr>
-            <p:ph type="sldNum" sz="quarter" idx="12"/>
-          </p:nvPr>
-        </p:nvSpPr>
-        <p:spPr/>
-        <p:txBody>
-          <a:bodyPr/>
-          <a:lstStyle/>
-          <a:p>
-            <a:fld id="{77CC721F-1D71-470D-9ADD-E53F1C9EB23A}" type="slidenum">
-              <a:rPr lang="en-US" smtClean="0"/>
-              <a:pPr/>
-              <a:t>26</a:t>
-            </a:fld>
-            <a:endParaRPr lang="en-US" dirty="0"/>
-          </a:p>
-        </p:txBody>
-      </p:sp>
-    </p:spTree>
-    <p:extLst>
-      <p:ext uri="{BB962C8B-B14F-4D97-AF65-F5344CB8AC3E}">
-        <p14:creationId xmlns:p14="http://schemas.microsoft.com/office/powerpoint/2010/main" val="3517763457"/>
-      </p:ext>
-    </p:extLst>
-  </p:cSld>
-  <p:clrMapOvr>
-    <a:masterClrMapping/>
-  </p:clrMapOvr>
 </p:sld>
 </file>
 
